--- a/canvas.pptx
+++ b/canvas.pptx
@@ -5,10 +5,10 @@
     <p:sldMasterId id="2147483657" r:id="rId1"/>
   </p:sldMasterIdLst>
   <p:notesMasterIdLst>
-    <p:notesMasterId r:id="rId13"/>
+    <p:notesMasterId r:id="rId14"/>
   </p:notesMasterIdLst>
   <p:handoutMasterIdLst>
-    <p:handoutMasterId r:id="rId14"/>
+    <p:handoutMasterId r:id="rId15"/>
   </p:handoutMasterIdLst>
   <p:sldIdLst>
     <p:sldId id="1132" r:id="rId2"/>
@@ -18,10 +18,11 @@
     <p:sldId id="1195" r:id="rId6"/>
     <p:sldId id="1194" r:id="rId7"/>
     <p:sldId id="1197" r:id="rId8"/>
-    <p:sldId id="1198" r:id="rId9"/>
-    <p:sldId id="1199" r:id="rId10"/>
-    <p:sldId id="1200" r:id="rId11"/>
-    <p:sldId id="1161" r:id="rId12"/>
+    <p:sldId id="1201" r:id="rId9"/>
+    <p:sldId id="1198" r:id="rId10"/>
+    <p:sldId id="1199" r:id="rId11"/>
+    <p:sldId id="1200" r:id="rId12"/>
+    <p:sldId id="1161" r:id="rId13"/>
   </p:sldIdLst>
   <p:sldSz cx="12192000" cy="6858000"/>
   <p:notesSz cx="7010400" cy="9296400"/>
@@ -132,6 +133,7 @@
             <p14:sldId id="1195"/>
             <p14:sldId id="1194"/>
             <p14:sldId id="1197"/>
+            <p14:sldId id="1201"/>
             <p14:sldId id="1198"/>
             <p14:sldId id="1199"/>
             <p14:sldId id="1200"/>
@@ -141,7 +143,7 @@
       </p14:sectionLst>
     </p:ext>
     <p:ext uri="{EFAFB233-063F-42B5-8137-9DF3F51BA10A}">
-      <p15:sldGuideLst xmlns="" xmlns:p15="http://schemas.microsoft.com/office/powerpoint/2012/main">
+      <p15:sldGuideLst xmlns:p15="http://schemas.microsoft.com/office/powerpoint/2012/main">
         <p15:guide id="1" orient="horz" pos="2244">
           <p15:clr>
             <a:srgbClr val="A4A3A4"/>
@@ -170,7 +172,7 @@
       </p15:sldGuideLst>
     </p:ext>
     <p:ext uri="{2D200454-40CA-4A62-9FC3-DE9A4176ACB9}">
-      <p15:notesGuideLst xmlns="" xmlns:p15="http://schemas.microsoft.com/office/powerpoint/2012/main">
+      <p15:notesGuideLst xmlns:p15="http://schemas.microsoft.com/office/powerpoint/2012/main">
         <p15:guide id="1" orient="horz" pos="2880">
           <p15:clr>
             <a:srgbClr val="A4A3A4"/>
@@ -353,7 +355,7 @@
           <a:p>
             <a:fld id="{C72D4D14-4E8D-46DA-8F96-E9E88845B984}" type="datetimeFigureOut">
               <a:rPr lang="zh-CN" altLang="en-US" smtClean="0"/>
-              <a:t>2018/7/27</a:t>
+              <a:t>2018/7/30</a:t>
             </a:fld>
             <a:endParaRPr lang="zh-CN" altLang="en-US"/>
           </a:p>
@@ -452,7 +454,7 @@
           <a:p>
             <a:fld id="{8A52B13F-C48F-7646-AC29-0F414B4ED11F}" type="datetimeFigureOut">
               <a:rPr lang="en-US" smtClean="0"/>
-              <a:t>7/27/2018</a:t>
+              <a:t>7/29/2018</a:t>
             </a:fld>
             <a:endParaRPr lang="en-US"/>
           </a:p>
@@ -516,38 +518,37 @@
           <a:p>
             <a:pPr lvl="0"/>
             <a:r>
-              <a:rPr lang="en-US" smtClean="0"/>
+              <a:rPr lang="en-US"/>
               <a:t>Click to edit Master text styles</a:t>
             </a:r>
           </a:p>
           <a:p>
             <a:pPr lvl="1"/>
             <a:r>
-              <a:rPr lang="en-US" smtClean="0"/>
+              <a:rPr lang="en-US"/>
               <a:t>Second level</a:t>
             </a:r>
           </a:p>
           <a:p>
             <a:pPr lvl="2"/>
             <a:r>
-              <a:rPr lang="en-US" smtClean="0"/>
+              <a:rPr lang="en-US"/>
               <a:t>Third level</a:t>
             </a:r>
           </a:p>
           <a:p>
             <a:pPr lvl="3"/>
             <a:r>
-              <a:rPr lang="en-US" smtClean="0"/>
+              <a:rPr lang="en-US"/>
               <a:t>Fourth level</a:t>
             </a:r>
           </a:p>
           <a:p>
             <a:pPr lvl="4"/>
             <a:r>
-              <a:rPr lang="en-US" smtClean="0"/>
+              <a:rPr lang="en-US"/>
               <a:t>Fifth level</a:t>
             </a:r>
-            <a:endParaRPr lang="en-US"/>
           </a:p>
         </p:txBody>
       </p:sp>
@@ -1042,7 +1043,7 @@
           <a:p>
             <a:fld id="{21AA2E6D-2942-1149-8D1D-2F8629D719D8}" type="slidenum">
               <a:rPr lang="en-US" smtClean="0"/>
-              <a:t>11</a:t>
+              <a:t>12</a:t>
             </a:fld>
             <a:endParaRPr lang="en-US"/>
           </a:p>
@@ -1151,7 +1152,7 @@
           </a:lstStyle>
           <a:p>
             <a:r>
-              <a:rPr lang="en-US" altLang="zh-CN" dirty="0" smtClean="0"/>
+              <a:rPr lang="en-US" altLang="zh-CN" dirty="0"/>
               <a:t>Section Title</a:t>
             </a:r>
             <a:endParaRPr lang="zh-CN" altLang="en-US" dirty="0"/>
@@ -1268,7 +1269,7 @@
               <a:defRPr/>
             </a:pPr>
             <a:r>
-              <a:rPr lang="en-US" altLang="zh-CN" sz="1200" dirty="0" smtClean="0">
+              <a:rPr lang="en-US" altLang="zh-CN" sz="1200" dirty="0">
                 <a:solidFill>
                   <a:schemeClr val="bg1"/>
                 </a:solidFill>
@@ -1276,7 +1277,7 @@
               <a:t>Copyright 2018 </a:t>
             </a:r>
             <a:r>
-              <a:rPr lang="en-US" altLang="zh-CN" sz="1200" dirty="0" err="1" smtClean="0">
+              <a:rPr lang="en-US" altLang="zh-CN" sz="1200" dirty="0" err="1">
                 <a:solidFill>
                   <a:schemeClr val="bg1"/>
                 </a:solidFill>
@@ -1284,7 +1285,7 @@
               <a:t>Objectiva</a:t>
             </a:r>
             <a:r>
-              <a:rPr lang="en-US" altLang="zh-CN" sz="1200" dirty="0" smtClean="0">
+              <a:rPr lang="en-US" altLang="zh-CN" sz="1200" dirty="0">
                 <a:solidFill>
                   <a:schemeClr val="bg1"/>
                 </a:solidFill>
@@ -1312,13 +1313,6 @@
   <p:clrMapOvr>
     <a:masterClrMapping/>
   </p:clrMapOvr>
-  <p:timing>
-    <p:tnLst>
-      <p:par>
-        <p:cTn id="1" dur="indefinite" restart="never" nodeType="tmRoot"/>
-      </p:par>
-    </p:tnLst>
-  </p:timing>
 </p:sldLayout>
 </file>
 
@@ -1384,7 +1378,7 @@
           </a:lstStyle>
           <a:p>
             <a:r>
-              <a:rPr lang="en-US" altLang="zh-CN" dirty="0" smtClean="0"/>
+              <a:rPr lang="en-US" altLang="zh-CN" dirty="0"/>
               <a:t>Slide title</a:t>
             </a:r>
             <a:endParaRPr lang="zh-CN" altLang="en-US" dirty="0"/>
@@ -1489,38 +1483,37 @@
           <a:p>
             <a:pPr lvl="0"/>
             <a:r>
-              <a:rPr kumimoji="1" lang="zh-CN" altLang="en-US" dirty="0" smtClean="0"/>
+              <a:rPr kumimoji="1" lang="zh-CN" altLang="en-US" dirty="0"/>
               <a:t>单击此处编辑母版文本样式</a:t>
             </a:r>
           </a:p>
           <a:p>
             <a:pPr lvl="1"/>
             <a:r>
-              <a:rPr kumimoji="1" lang="zh-CN" altLang="en-US" dirty="0" smtClean="0"/>
+              <a:rPr kumimoji="1" lang="zh-CN" altLang="en-US" dirty="0"/>
               <a:t>二级</a:t>
             </a:r>
           </a:p>
           <a:p>
             <a:pPr lvl="2"/>
             <a:r>
-              <a:rPr kumimoji="1" lang="zh-CN" altLang="en-US" dirty="0" smtClean="0"/>
+              <a:rPr kumimoji="1" lang="zh-CN" altLang="en-US" dirty="0"/>
               <a:t>三级</a:t>
             </a:r>
           </a:p>
           <a:p>
             <a:pPr lvl="3"/>
             <a:r>
-              <a:rPr kumimoji="1" lang="zh-CN" altLang="en-US" dirty="0" smtClean="0"/>
+              <a:rPr kumimoji="1" lang="zh-CN" altLang="en-US" dirty="0"/>
               <a:t>四级</a:t>
             </a:r>
           </a:p>
           <a:p>
             <a:pPr lvl="4"/>
             <a:r>
-              <a:rPr kumimoji="1" lang="zh-CN" altLang="en-US" dirty="0" smtClean="0"/>
+              <a:rPr kumimoji="1" lang="zh-CN" altLang="en-US" dirty="0"/>
               <a:t>五级</a:t>
             </a:r>
-            <a:endParaRPr kumimoji="1" lang="zh-CN" altLang="en-US" dirty="0"/>
           </a:p>
         </p:txBody>
       </p:sp>
@@ -1609,7 +1602,7 @@
                 <a:defRPr/>
               </a:pPr>
               <a:r>
-                <a:rPr lang="en-US" altLang="zh-CN" sz="1000" dirty="0" smtClean="0">
+                <a:rPr lang="en-US" altLang="zh-CN" sz="1000" dirty="0">
                   <a:solidFill>
                     <a:schemeClr val="tx1">
                       <a:lumMod val="75000"/>
@@ -1623,7 +1616,7 @@
                 <a:t>Copyright 2016 </a:t>
               </a:r>
               <a:r>
-                <a:rPr lang="en-US" altLang="zh-CN" sz="1000" dirty="0" err="1" smtClean="0">
+                <a:rPr lang="en-US" altLang="zh-CN" sz="1000" dirty="0" err="1">
                   <a:solidFill>
                     <a:schemeClr val="tx1">
                       <a:lumMod val="75000"/>
@@ -1637,7 +1630,7 @@
                 <a:t>Objectiva</a:t>
               </a:r>
               <a:r>
-                <a:rPr lang="en-US" altLang="zh-CN" sz="1000" dirty="0" smtClean="0">
+                <a:rPr lang="en-US" altLang="zh-CN" sz="1000" dirty="0">
                   <a:solidFill>
                     <a:schemeClr val="tx1">
                       <a:lumMod val="75000"/>
@@ -1678,13 +1671,6 @@
   <p:clrMapOvr>
     <a:masterClrMapping/>
   </p:clrMapOvr>
-  <p:timing>
-    <p:tnLst>
-      <p:par>
-        <p:cTn id="1" dur="indefinite" restart="never" nodeType="tmRoot"/>
-      </p:par>
-    </p:tnLst>
-  </p:timing>
 </p:sldLayout>
 </file>
 
@@ -1797,7 +1783,7 @@
                 <a:defRPr/>
               </a:pPr>
               <a:r>
-                <a:rPr lang="en-US" altLang="zh-CN" sz="1000" dirty="0" smtClean="0">
+                <a:rPr lang="en-US" altLang="zh-CN" sz="1000" dirty="0">
                   <a:solidFill>
                     <a:schemeClr val="bg1">
                       <a:lumMod val="85000"/>
@@ -1810,7 +1796,7 @@
                 <a:t>Copyright 2018 </a:t>
               </a:r>
               <a:r>
-                <a:rPr lang="en-US" altLang="zh-CN" sz="1000" dirty="0" err="1" smtClean="0">
+                <a:rPr lang="en-US" altLang="zh-CN" sz="1000" dirty="0" err="1">
                   <a:solidFill>
                     <a:schemeClr val="bg1">
                       <a:lumMod val="85000"/>
@@ -1823,7 +1809,7 @@
                 <a:t>Objectiva</a:t>
               </a:r>
               <a:r>
-                <a:rPr lang="en-US" altLang="zh-CN" sz="1000" dirty="0" smtClean="0">
+                <a:rPr lang="en-US" altLang="zh-CN" sz="1000" dirty="0">
                   <a:solidFill>
                     <a:schemeClr val="bg1">
                       <a:lumMod val="85000"/>
@@ -1886,7 +1872,7 @@
           </a:lstStyle>
           <a:p>
             <a:r>
-              <a:rPr lang="en-US" altLang="zh-CN" dirty="0" smtClean="0"/>
+              <a:rPr lang="en-US" altLang="zh-CN" dirty="0"/>
               <a:t>Slide title</a:t>
             </a:r>
             <a:endParaRPr lang="zh-CN" altLang="en-US" dirty="0"/>
@@ -2008,38 +1994,37 @@
           <a:p>
             <a:pPr lvl="0"/>
             <a:r>
-              <a:rPr kumimoji="1" lang="zh-CN" altLang="en-US" dirty="0" smtClean="0"/>
+              <a:rPr kumimoji="1" lang="zh-CN" altLang="en-US" dirty="0"/>
               <a:t>单击此处编辑母版文本样式</a:t>
             </a:r>
           </a:p>
           <a:p>
             <a:pPr lvl="1"/>
             <a:r>
-              <a:rPr kumimoji="1" lang="zh-CN" altLang="en-US" dirty="0" smtClean="0"/>
+              <a:rPr kumimoji="1" lang="zh-CN" altLang="en-US" dirty="0"/>
               <a:t>二级</a:t>
             </a:r>
           </a:p>
           <a:p>
             <a:pPr lvl="2"/>
             <a:r>
-              <a:rPr kumimoji="1" lang="zh-CN" altLang="en-US" dirty="0" smtClean="0"/>
+              <a:rPr kumimoji="1" lang="zh-CN" altLang="en-US" dirty="0"/>
               <a:t>三级</a:t>
             </a:r>
           </a:p>
           <a:p>
             <a:pPr lvl="3"/>
             <a:r>
-              <a:rPr kumimoji="1" lang="zh-CN" altLang="en-US" dirty="0" smtClean="0"/>
+              <a:rPr kumimoji="1" lang="zh-CN" altLang="en-US" dirty="0"/>
               <a:t>四级</a:t>
             </a:r>
           </a:p>
           <a:p>
             <a:pPr lvl="4"/>
             <a:r>
-              <a:rPr kumimoji="1" lang="zh-CN" altLang="en-US" dirty="0" smtClean="0"/>
+              <a:rPr kumimoji="1" lang="zh-CN" altLang="en-US" dirty="0"/>
               <a:t>五级</a:t>
             </a:r>
-            <a:endParaRPr kumimoji="1" lang="zh-CN" altLang="en-US" dirty="0"/>
           </a:p>
         </p:txBody>
       </p:sp>
@@ -2053,13 +2038,6 @@
   <p:clrMapOvr>
     <a:masterClrMapping/>
   </p:clrMapOvr>
-  <p:timing>
-    <p:tnLst>
-      <p:par>
-        <p:cTn id="1" dur="indefinite" restart="never" nodeType="tmRoot"/>
-      </p:par>
-    </p:tnLst>
-  </p:timing>
 </p:sldLayout>
 </file>
 
@@ -2098,13 +2076,6 @@
   <p:clrMapOvr>
     <a:masterClrMapping/>
   </p:clrMapOvr>
-  <p:timing>
-    <p:tnLst>
-      <p:par>
-        <p:cTn id="1" dur="indefinite" restart="never" nodeType="tmRoot"/>
-      </p:par>
-    </p:tnLst>
-  </p:timing>
 </p:sldLayout>
 </file>
 
@@ -2221,7 +2192,7 @@
                 <a:defRPr/>
               </a:pPr>
               <a:r>
-                <a:rPr lang="en-US" altLang="zh-CN" sz="1000" dirty="0" smtClean="0">
+                <a:rPr lang="en-US" altLang="zh-CN" sz="1000" dirty="0">
                   <a:solidFill>
                     <a:schemeClr val="tx1">
                       <a:lumMod val="75000"/>
@@ -2235,7 +2206,7 @@
                 <a:t>Copyright 2016 </a:t>
               </a:r>
               <a:r>
-                <a:rPr lang="en-US" altLang="zh-CN" sz="1000" dirty="0" err="1" smtClean="0">
+                <a:rPr lang="en-US" altLang="zh-CN" sz="1000" dirty="0" err="1">
                   <a:solidFill>
                     <a:schemeClr val="tx1">
                       <a:lumMod val="75000"/>
@@ -2249,7 +2220,7 @@
                 <a:t>Objectiva</a:t>
               </a:r>
               <a:r>
-                <a:rPr lang="en-US" altLang="zh-CN" sz="1000" dirty="0" smtClean="0">
+                <a:rPr lang="en-US" altLang="zh-CN" sz="1000" dirty="0">
                   <a:solidFill>
                     <a:schemeClr val="tx1">
                       <a:lumMod val="75000"/>
@@ -2314,7 +2285,7 @@
           </a:lstStyle>
           <a:p>
             <a:r>
-              <a:rPr lang="en-US" altLang="zh-CN" dirty="0" smtClean="0"/>
+              <a:rPr lang="en-US" altLang="zh-CN" dirty="0"/>
               <a:t>Slide title</a:t>
             </a:r>
             <a:endParaRPr lang="zh-CN" altLang="en-US" dirty="0"/>
@@ -2419,38 +2390,37 @@
           <a:p>
             <a:pPr lvl="0"/>
             <a:r>
-              <a:rPr kumimoji="1" lang="zh-CN" altLang="en-US" dirty="0" smtClean="0"/>
+              <a:rPr kumimoji="1" lang="zh-CN" altLang="en-US" dirty="0"/>
               <a:t>单击此处编辑母版文本样式</a:t>
             </a:r>
           </a:p>
           <a:p>
             <a:pPr lvl="1"/>
             <a:r>
-              <a:rPr kumimoji="1" lang="zh-CN" altLang="en-US" dirty="0" smtClean="0"/>
+              <a:rPr kumimoji="1" lang="zh-CN" altLang="en-US" dirty="0"/>
               <a:t>二级</a:t>
             </a:r>
           </a:p>
           <a:p>
             <a:pPr lvl="2"/>
             <a:r>
-              <a:rPr kumimoji="1" lang="zh-CN" altLang="en-US" dirty="0" smtClean="0"/>
+              <a:rPr kumimoji="1" lang="zh-CN" altLang="en-US" dirty="0"/>
               <a:t>三级</a:t>
             </a:r>
           </a:p>
           <a:p>
             <a:pPr lvl="3"/>
             <a:r>
-              <a:rPr kumimoji="1" lang="zh-CN" altLang="en-US" dirty="0" smtClean="0"/>
+              <a:rPr kumimoji="1" lang="zh-CN" altLang="en-US" dirty="0"/>
               <a:t>四级</a:t>
             </a:r>
           </a:p>
           <a:p>
             <a:pPr lvl="4"/>
             <a:r>
-              <a:rPr kumimoji="1" lang="zh-CN" altLang="en-US" dirty="0" smtClean="0"/>
+              <a:rPr kumimoji="1" lang="zh-CN" altLang="en-US" dirty="0"/>
               <a:t>五级</a:t>
             </a:r>
-            <a:endParaRPr kumimoji="1" lang="zh-CN" altLang="en-US" dirty="0"/>
           </a:p>
         </p:txBody>
       </p:sp>
@@ -2552,38 +2522,37 @@
           <a:p>
             <a:pPr lvl="0"/>
             <a:r>
-              <a:rPr kumimoji="1" lang="zh-CN" altLang="en-US" dirty="0" smtClean="0"/>
+              <a:rPr kumimoji="1" lang="zh-CN" altLang="en-US" dirty="0"/>
               <a:t>单击此处编辑母版文本样式</a:t>
             </a:r>
           </a:p>
           <a:p>
             <a:pPr lvl="1"/>
             <a:r>
-              <a:rPr kumimoji="1" lang="zh-CN" altLang="en-US" dirty="0" smtClean="0"/>
+              <a:rPr kumimoji="1" lang="zh-CN" altLang="en-US" dirty="0"/>
               <a:t>二级</a:t>
             </a:r>
           </a:p>
           <a:p>
             <a:pPr lvl="2"/>
             <a:r>
-              <a:rPr kumimoji="1" lang="zh-CN" altLang="en-US" dirty="0" smtClean="0"/>
+              <a:rPr kumimoji="1" lang="zh-CN" altLang="en-US" dirty="0"/>
               <a:t>三级</a:t>
             </a:r>
           </a:p>
           <a:p>
             <a:pPr lvl="3"/>
             <a:r>
-              <a:rPr kumimoji="1" lang="zh-CN" altLang="en-US" dirty="0" smtClean="0"/>
+              <a:rPr kumimoji="1" lang="zh-CN" altLang="en-US" dirty="0"/>
               <a:t>四级</a:t>
             </a:r>
           </a:p>
           <a:p>
             <a:pPr lvl="4"/>
             <a:r>
-              <a:rPr kumimoji="1" lang="zh-CN" altLang="en-US" dirty="0" smtClean="0"/>
+              <a:rPr kumimoji="1" lang="zh-CN" altLang="en-US" dirty="0"/>
               <a:t>五级</a:t>
             </a:r>
-            <a:endParaRPr kumimoji="1" lang="zh-CN" altLang="en-US" dirty="0"/>
           </a:p>
         </p:txBody>
       </p:sp>
@@ -2597,13 +2566,6 @@
   <p:clrMapOvr>
     <a:masterClrMapping/>
   </p:clrMapOvr>
-  <p:timing>
-    <p:tnLst>
-      <p:par>
-        <p:cTn id="1" dur="indefinite" restart="never" nodeType="tmRoot"/>
-      </p:par>
-    </p:tnLst>
-  </p:timing>
 </p:sldLayout>
 </file>
 
@@ -2669,14 +2631,14 @@
           </a:lstStyle>
           <a:p>
             <a:r>
-              <a:rPr lang="en-US" altLang="zh-CN" dirty="0" smtClean="0"/>
+              <a:rPr lang="en-US" altLang="zh-CN" dirty="0"/>
               <a:t>Tagline goes here,</a:t>
             </a:r>
             <a:br>
-              <a:rPr lang="en-US" altLang="zh-CN" dirty="0" smtClean="0"/>
+              <a:rPr lang="en-US" altLang="zh-CN" dirty="0"/>
             </a:br>
             <a:r>
-              <a:rPr lang="en-US" altLang="zh-CN" dirty="0" smtClean="0"/>
+              <a:rPr lang="en-US" altLang="zh-CN" dirty="0"/>
               <a:t>Multiple lines works</a:t>
             </a:r>
             <a:endParaRPr lang="zh-CN" altLang="en-US" dirty="0"/>
@@ -2693,13 +2655,6 @@
   <p:clrMapOvr>
     <a:masterClrMapping/>
   </p:clrMapOvr>
-  <p:timing>
-    <p:tnLst>
-      <p:par>
-        <p:cTn id="1" dur="indefinite" restart="never" nodeType="tmRoot"/>
-      </p:par>
-    </p:tnLst>
-  </p:timing>
 </p:sldLayout>
 </file>
 
@@ -2793,14 +2748,14 @@
           </a:lstStyle>
           <a:p>
             <a:r>
-              <a:rPr lang="en-US" altLang="zh-CN" dirty="0" smtClean="0"/>
+              <a:rPr lang="en-US" altLang="zh-CN" dirty="0"/>
               <a:t>Tagline goes here,</a:t>
             </a:r>
             <a:br>
-              <a:rPr lang="en-US" altLang="zh-CN" dirty="0" smtClean="0"/>
+              <a:rPr lang="en-US" altLang="zh-CN" dirty="0"/>
             </a:br>
             <a:r>
-              <a:rPr lang="en-US" altLang="zh-CN" dirty="0" smtClean="0"/>
+              <a:rPr lang="en-US" altLang="zh-CN" dirty="0"/>
               <a:t>Multiple lines works</a:t>
             </a:r>
             <a:endParaRPr lang="zh-CN" altLang="en-US" dirty="0"/>
@@ -2877,7 +2832,7 @@
               <a:defRPr/>
             </a:pPr>
             <a:r>
-              <a:rPr lang="en-US" altLang="zh-CN" sz="1200" smtClean="0">
+              <a:rPr lang="en-US" altLang="zh-CN" sz="1200">
                 <a:solidFill>
                   <a:schemeClr val="bg1"/>
                 </a:solidFill>
@@ -2885,7 +2840,7 @@
               <a:t>Copyright 2018 </a:t>
             </a:r>
             <a:r>
-              <a:rPr lang="en-US" altLang="zh-CN" sz="1200" dirty="0" err="1" smtClean="0">
+              <a:rPr lang="en-US" altLang="zh-CN" sz="1200" dirty="0" err="1">
                 <a:solidFill>
                   <a:schemeClr val="bg1"/>
                 </a:solidFill>
@@ -2893,7 +2848,7 @@
               <a:t>Objectiva</a:t>
             </a:r>
             <a:r>
-              <a:rPr lang="en-US" altLang="zh-CN" sz="1200" dirty="0" smtClean="0">
+              <a:rPr lang="en-US" altLang="zh-CN" sz="1200" dirty="0">
                 <a:solidFill>
                   <a:schemeClr val="bg1"/>
                 </a:solidFill>
@@ -2921,13 +2876,6 @@
   <p:clrMapOvr>
     <a:masterClrMapping/>
   </p:clrMapOvr>
-  <p:timing>
-    <p:tnLst>
-      <p:par>
-        <p:cTn id="1" dur="indefinite" restart="never" nodeType="tmRoot"/>
-      </p:par>
-    </p:tnLst>
-  </p:timing>
 </p:sldLayout>
 </file>
 
@@ -3044,7 +2992,7 @@
                 <a:defRPr/>
               </a:pPr>
               <a:r>
-                <a:rPr lang="en-US" altLang="zh-CN" sz="1000" dirty="0" smtClean="0">
+                <a:rPr lang="en-US" altLang="zh-CN" sz="1000" dirty="0">
                   <a:solidFill>
                     <a:schemeClr val="tx1">
                       <a:lumMod val="75000"/>
@@ -3058,7 +3006,7 @@
                 <a:t>Copyright 2016 </a:t>
               </a:r>
               <a:r>
-                <a:rPr lang="en-US" altLang="zh-CN" sz="1000" dirty="0" err="1" smtClean="0">
+                <a:rPr lang="en-US" altLang="zh-CN" sz="1000" dirty="0" err="1">
                   <a:solidFill>
                     <a:schemeClr val="tx1">
                       <a:lumMod val="75000"/>
@@ -3072,7 +3020,7 @@
                 <a:t>Objectiva</a:t>
               </a:r>
               <a:r>
-                <a:rPr lang="en-US" altLang="zh-CN" sz="1000" dirty="0" smtClean="0">
+                <a:rPr lang="en-US" altLang="zh-CN" sz="1000" dirty="0">
                   <a:solidFill>
                     <a:schemeClr val="tx1">
                       <a:lumMod val="75000"/>
@@ -3137,13 +3085,6 @@
   <p:clrMapOvr>
     <a:masterClrMapping/>
   </p:clrMapOvr>
-  <p:timing>
-    <p:tnLst>
-      <p:par>
-        <p:cTn id="1" dur="indefinite" restart="never" nodeType="tmRoot"/>
-      </p:par>
-    </p:tnLst>
-  </p:timing>
 </p:sldLayout>
 </file>
 
@@ -3201,7 +3142,7 @@
           <a:lstStyle/>
           <a:p>
             <a:r>
-              <a:rPr lang="en-US" altLang="zh-CN" dirty="0" smtClean="0"/>
+              <a:rPr lang="en-US" altLang="zh-CN" dirty="0"/>
               <a:t>Click to edit Master title style</a:t>
             </a:r>
             <a:endParaRPr lang="zh-CN" altLang="en-US" dirty="0"/>
@@ -3235,35 +3176,35 @@
           <a:p>
             <a:pPr lvl="0"/>
             <a:r>
-              <a:rPr lang="en-US" altLang="zh-CN" dirty="0" smtClean="0"/>
+              <a:rPr lang="en-US" altLang="zh-CN" dirty="0"/>
               <a:t>Click to edit Master text styles</a:t>
             </a:r>
           </a:p>
           <a:p>
             <a:pPr lvl="1"/>
             <a:r>
-              <a:rPr lang="en-US" altLang="zh-CN" dirty="0" smtClean="0"/>
+              <a:rPr lang="en-US" altLang="zh-CN" dirty="0"/>
               <a:t>Second level</a:t>
             </a:r>
           </a:p>
           <a:p>
             <a:pPr lvl="2"/>
             <a:r>
-              <a:rPr lang="en-US" altLang="zh-CN" dirty="0" smtClean="0"/>
+              <a:rPr lang="en-US" altLang="zh-CN" dirty="0"/>
               <a:t>Third level</a:t>
             </a:r>
           </a:p>
           <a:p>
             <a:pPr lvl="3"/>
             <a:r>
-              <a:rPr lang="en-US" altLang="zh-CN" dirty="0" smtClean="0"/>
+              <a:rPr lang="en-US" altLang="zh-CN" dirty="0"/>
               <a:t>Fourth level</a:t>
             </a:r>
           </a:p>
           <a:p>
             <a:pPr lvl="4"/>
             <a:r>
-              <a:rPr lang="en-US" altLang="zh-CN" dirty="0" smtClean="0"/>
+              <a:rPr lang="en-US" altLang="zh-CN" dirty="0"/>
               <a:t>Fifth level</a:t>
             </a:r>
             <a:endParaRPr lang="zh-CN" altLang="en-US" dirty="0"/>
@@ -3288,13 +3229,6 @@
     <p:sldLayoutId id="2147483654" r:id="rId7"/>
     <p:sldLayoutId id="2147483655" r:id="rId8"/>
   </p:sldLayoutIdLst>
-  <p:timing>
-    <p:tnLst>
-      <p:par>
-        <p:cTn id="1" dur="indefinite" restart="never" nodeType="tmRoot"/>
-      </p:par>
-    </p:tnLst>
-  </p:timing>
   <p:hf hdr="0" ftr="0"/>
   <p:txStyles>
     <p:titleStyle>
@@ -3620,11 +3554,11 @@
           <a:p>
             <a:pPr algn="ctr"/>
             <a:r>
-              <a:rPr kumimoji="1" lang="en-US" altLang="zh-CN" sz="4800" dirty="0" smtClean="0"/>
+              <a:rPr kumimoji="1" lang="en-US" altLang="zh-CN" sz="4800" dirty="0"/>
               <a:t>Canvas </a:t>
             </a:r>
             <a:br>
-              <a:rPr kumimoji="1" lang="en-US" altLang="zh-CN" sz="4800" dirty="0" smtClean="0"/>
+              <a:rPr kumimoji="1" lang="en-US" altLang="zh-CN" sz="4800" dirty="0"/>
             </a:br>
             <a:endParaRPr kumimoji="1" lang="zh-CN" altLang="en-US" sz="4800" dirty="0"/>
           </a:p>
@@ -3640,13 +3574,6 @@
   <p:clrMapOvr>
     <a:masterClrMapping/>
   </p:clrMapOvr>
-  <p:timing>
-    <p:tnLst>
-      <p:par>
-        <p:cTn id="1" dur="indefinite" restart="never" nodeType="tmRoot"/>
-      </p:par>
-    </p:tnLst>
-  </p:timing>
 </p:sld>
 </file>
 
@@ -3684,7 +3611,7 @@
           <a:p>
             <a:r>
               <a:rPr lang="zh-CN" altLang="en-US" dirty="0"/>
-              <a:t>图像</a:t>
+              <a:t>文本</a:t>
             </a:r>
             <a:endParaRPr lang="en-US" dirty="0"/>
           </a:p>
@@ -3700,12 +3627,226 @@
             <p:ph type="body" sz="quarter" idx="13"/>
           </p:nvPr>
         </p:nvSpPr>
+        <p:spPr>
+          <a:xfrm>
+            <a:off x="691932" y="1567793"/>
+            <a:ext cx="10806850" cy="4618695"/>
+          </a:xfrm>
+        </p:spPr>
+        <p:txBody>
+          <a:bodyPr numCol="2"/>
+          <a:lstStyle/>
+          <a:p>
+            <a:r>
+              <a:rPr lang="zh-CN" altLang="en-US" dirty="0"/>
+              <a:t>属性</a:t>
+            </a:r>
+            <a:endParaRPr lang="en-US" altLang="zh-CN" dirty="0"/>
+          </a:p>
+          <a:p>
+            <a:pPr lvl="1"/>
+            <a:r>
+              <a:rPr lang="en-US" altLang="zh-CN" dirty="0"/>
+              <a:t>font</a:t>
+            </a:r>
+          </a:p>
+          <a:p>
+            <a:pPr lvl="1"/>
+            <a:r>
+              <a:rPr lang="en-US" altLang="zh-CN" dirty="0" err="1"/>
+              <a:t>textAlign</a:t>
+            </a:r>
+            <a:endParaRPr lang="en-US" altLang="zh-CN" dirty="0"/>
+          </a:p>
+          <a:p>
+            <a:pPr lvl="1"/>
+            <a:r>
+              <a:rPr lang="en-US" altLang="zh-CN" dirty="0" err="1"/>
+              <a:t>textBaseline</a:t>
+            </a:r>
+            <a:endParaRPr lang="en-US" altLang="zh-CN" dirty="0"/>
+          </a:p>
+          <a:p>
+            <a:endParaRPr lang="en-US" altLang="zh-CN" dirty="0"/>
+          </a:p>
+          <a:p>
+            <a:endParaRPr lang="en-US" altLang="zh-CN" dirty="0"/>
+          </a:p>
+          <a:p>
+            <a:endParaRPr lang="en-US" altLang="zh-CN" dirty="0"/>
+          </a:p>
+          <a:p>
+            <a:endParaRPr lang="en-US" altLang="zh-CN" dirty="0"/>
+          </a:p>
+          <a:p>
+            <a:pPr marL="0" indent="0">
+              <a:buNone/>
+            </a:pPr>
+            <a:endParaRPr lang="en-US" altLang="zh-CN" dirty="0"/>
+          </a:p>
+          <a:p>
+            <a:r>
+              <a:rPr lang="zh-CN" altLang="en-US" dirty="0"/>
+              <a:t>方法</a:t>
+            </a:r>
+            <a:endParaRPr lang="en-US" altLang="zh-CN" dirty="0"/>
+          </a:p>
+          <a:p>
+            <a:pPr lvl="1"/>
+            <a:r>
+              <a:rPr lang="en-US" altLang="zh-CN" dirty="0" err="1"/>
+              <a:t>fillText</a:t>
+            </a:r>
+            <a:r>
+              <a:rPr lang="en-US" altLang="zh-CN" dirty="0"/>
+              <a:t>(</a:t>
+            </a:r>
+            <a:r>
+              <a:rPr lang="en-US" altLang="zh-CN" sz="2000" i="1" dirty="0"/>
+              <a:t>text, x, y, </a:t>
+            </a:r>
+            <a:r>
+              <a:rPr lang="en-US" altLang="zh-CN" sz="2000" i="1" dirty="0" err="1"/>
+              <a:t>maxWidth</a:t>
+            </a:r>
+            <a:r>
+              <a:rPr lang="en-US" altLang="zh-CN" dirty="0"/>
+              <a:t>)</a:t>
+            </a:r>
+          </a:p>
+          <a:p>
+            <a:pPr lvl="1"/>
+            <a:r>
+              <a:rPr lang="en-US" altLang="zh-CN" dirty="0" err="1"/>
+              <a:t>strokeText</a:t>
+            </a:r>
+            <a:r>
+              <a:rPr lang="en-US" altLang="zh-CN" dirty="0"/>
+              <a:t>(</a:t>
+            </a:r>
+            <a:r>
+              <a:rPr lang="en-US" altLang="zh-CN" i="1" dirty="0"/>
+              <a:t>text, x, y, </a:t>
+            </a:r>
+            <a:r>
+              <a:rPr lang="en-US" altLang="zh-CN" i="1" dirty="0" err="1"/>
+              <a:t>maxWidth</a:t>
+            </a:r>
+            <a:r>
+              <a:rPr lang="en-US" altLang="zh-CN" dirty="0"/>
+              <a:t>)</a:t>
+            </a:r>
+          </a:p>
+          <a:p>
+            <a:pPr lvl="1"/>
+            <a:r>
+              <a:rPr lang="en-US" altLang="zh-CN" dirty="0" err="1"/>
+              <a:t>measureText</a:t>
+            </a:r>
+            <a:r>
+              <a:rPr lang="en-US" altLang="zh-CN" dirty="0"/>
+              <a:t>(</a:t>
+            </a:r>
+            <a:r>
+              <a:rPr lang="en-US" altLang="zh-CN" i="1" dirty="0"/>
+              <a:t>text</a:t>
+            </a:r>
+            <a:r>
+              <a:rPr lang="en-US" altLang="zh-CN" dirty="0"/>
+              <a:t>)</a:t>
+            </a:r>
+          </a:p>
+          <a:p>
+            <a:pPr lvl="2"/>
+            <a:r>
+              <a:rPr lang="en-US" altLang="zh-CN" dirty="0" err="1"/>
+              <a:t>measureText</a:t>
+            </a:r>
+            <a:r>
+              <a:rPr lang="en-US" altLang="zh-CN" dirty="0"/>
+              <a:t>(</a:t>
+            </a:r>
+            <a:r>
+              <a:rPr lang="en-US" altLang="zh-CN" i="1" dirty="0"/>
+              <a:t>text</a:t>
+            </a:r>
+            <a:r>
+              <a:rPr lang="en-US" altLang="zh-CN" dirty="0"/>
+              <a:t>).width	</a:t>
+            </a:r>
+            <a:endParaRPr lang="en-US" dirty="0"/>
+          </a:p>
+        </p:txBody>
+      </p:sp>
+    </p:spTree>
+    <p:extLst>
+      <p:ext uri="{BB962C8B-B14F-4D97-AF65-F5344CB8AC3E}">
+        <p14:creationId xmlns:p14="http://schemas.microsoft.com/office/powerpoint/2010/main" val="3277079948"/>
+      </p:ext>
+    </p:extLst>
+  </p:cSld>
+  <p:clrMapOvr>
+    <a:masterClrMapping/>
+  </p:clrMapOvr>
+</p:sld>
+</file>
+
+<file path=ppt/slides/slide11.xml><?xml version="1.0" encoding="utf-8"?>
+<p:sld xmlns:a="http://schemas.openxmlformats.org/drawingml/2006/main" xmlns:r="http://schemas.openxmlformats.org/officeDocument/2006/relationships" xmlns:p="http://schemas.openxmlformats.org/presentationml/2006/main">
+  <p:cSld>
+    <p:spTree>
+      <p:nvGrpSpPr>
+        <p:cNvPr id="1" name=""/>
+        <p:cNvGrpSpPr/>
+        <p:nvPr/>
+      </p:nvGrpSpPr>
+      <p:grpSpPr>
+        <a:xfrm>
+          <a:off x="0" y="0"/>
+          <a:ext cx="0" cy="0"/>
+          <a:chOff x="0" y="0"/>
+          <a:chExt cx="0" cy="0"/>
+        </a:xfrm>
+      </p:grpSpPr>
+      <p:sp>
+        <p:nvSpPr>
+          <p:cNvPr id="2" name="Title 1"/>
+          <p:cNvSpPr>
+            <a:spLocks noGrp="1"/>
+          </p:cNvSpPr>
+          <p:nvPr>
+            <p:ph type="title"/>
+          </p:nvPr>
+        </p:nvSpPr>
         <p:spPr/>
         <p:txBody>
           <a:bodyPr/>
           <a:lstStyle/>
           <a:p>
             <a:r>
+              <a:rPr lang="zh-CN" altLang="en-US" dirty="0"/>
+              <a:t>图像</a:t>
+            </a:r>
+            <a:endParaRPr lang="en-US" dirty="0"/>
+          </a:p>
+        </p:txBody>
+      </p:sp>
+      <p:sp>
+        <p:nvSpPr>
+          <p:cNvPr id="3" name="Text Placeholder 2"/>
+          <p:cNvSpPr>
+            <a:spLocks noGrp="1"/>
+          </p:cNvSpPr>
+          <p:nvPr>
+            <p:ph type="body" sz="quarter" idx="13"/>
+          </p:nvPr>
+        </p:nvSpPr>
+        <p:spPr/>
+        <p:txBody>
+          <a:bodyPr/>
+          <a:lstStyle/>
+          <a:p>
+            <a:r>
               <a:rPr lang="en-US" dirty="0" err="1"/>
               <a:t>drawImage</a:t>
             </a:r>
@@ -3718,7 +3859,7 @@
               <a:t>img</a:t>
             </a:r>
             <a:r>
-              <a:rPr lang="en-US" sz="2000" i="1" dirty="0" smtClean="0"/>
+              <a:rPr lang="en-US" sz="2000" i="1" dirty="0"/>
               <a:t>, </a:t>
             </a:r>
             <a:r>
@@ -3730,7 +3871,7 @@
               <a:t>sx</a:t>
             </a:r>
             <a:r>
-              <a:rPr lang="en-US" sz="2000" dirty="0" smtClean="0">
+              <a:rPr lang="en-US" sz="2000" dirty="0">
                 <a:solidFill>
                   <a:schemeClr val="accent2"/>
                 </a:solidFill>
@@ -3738,7 +3879,7 @@
               <a:t>, </a:t>
             </a:r>
             <a:r>
-              <a:rPr lang="en-US" sz="2000" i="1" dirty="0" err="1" smtClean="0">
+              <a:rPr lang="en-US" sz="2000" i="1" dirty="0" err="1">
                 <a:solidFill>
                   <a:schemeClr val="accent2"/>
                 </a:solidFill>
@@ -3746,7 +3887,7 @@
               <a:t>sy</a:t>
             </a:r>
             <a:r>
-              <a:rPr lang="en-US" sz="2000" dirty="0" smtClean="0">
+              <a:rPr lang="en-US" sz="2000" dirty="0">
                 <a:solidFill>
                   <a:schemeClr val="accent2"/>
                 </a:solidFill>
@@ -3754,7 +3895,7 @@
               <a:t>, </a:t>
             </a:r>
             <a:r>
-              <a:rPr lang="en-US" sz="2000" i="1" dirty="0" err="1" smtClean="0">
+              <a:rPr lang="en-US" sz="2000" i="1" dirty="0" err="1">
                 <a:solidFill>
                   <a:schemeClr val="accent2"/>
                 </a:solidFill>
@@ -3762,7 +3903,7 @@
               <a:t>swidth</a:t>
             </a:r>
             <a:r>
-              <a:rPr lang="en-US" sz="2000" dirty="0" smtClean="0">
+              <a:rPr lang="en-US" sz="2000" dirty="0">
                 <a:solidFill>
                   <a:schemeClr val="accent2"/>
                 </a:solidFill>
@@ -3770,7 +3911,7 @@
               <a:t>, </a:t>
             </a:r>
             <a:r>
-              <a:rPr lang="en-US" sz="2000" i="1" dirty="0" err="1" smtClean="0">
+              <a:rPr lang="en-US" sz="2000" i="1" dirty="0" err="1">
                 <a:solidFill>
                   <a:schemeClr val="accent2"/>
                 </a:solidFill>
@@ -3778,7 +3919,7 @@
               <a:t>sheight</a:t>
             </a:r>
             <a:r>
-              <a:rPr lang="en-US" sz="2000" dirty="0" smtClean="0">
+              <a:rPr lang="en-US" sz="2000" dirty="0">
                 <a:solidFill>
                   <a:schemeClr val="accent2"/>
                 </a:solidFill>
@@ -3786,14 +3927,13 @@
               <a:t>, </a:t>
             </a:r>
             <a:r>
-              <a:rPr lang="en-US" sz="2000" i="1" dirty="0" smtClean="0"/>
+              <a:rPr lang="en-US" sz="2000" i="1" dirty="0"/>
               <a:t>x, y, width, height</a:t>
             </a:r>
             <a:r>
-              <a:rPr lang="en-US" dirty="0" smtClean="0"/>
+              <a:rPr lang="en-US" dirty="0"/>
               <a:t>)</a:t>
             </a:r>
-            <a:endParaRPr lang="en-US" dirty="0"/>
           </a:p>
         </p:txBody>
       </p:sp>
@@ -3807,17 +3947,10 @@
   <p:clrMapOvr>
     <a:masterClrMapping/>
   </p:clrMapOvr>
-  <p:timing>
-    <p:tnLst>
-      <p:par>
-        <p:cTn id="1" dur="indefinite" restart="never" nodeType="tmRoot"/>
-      </p:par>
-    </p:tnLst>
-  </p:timing>
 </p:sld>
 </file>
 
-<file path=ppt/slides/slide11.xml><?xml version="1.0" encoding="utf-8"?>
+<file path=ppt/slides/slide12.xml><?xml version="1.0" encoding="utf-8"?>
 <p:sld xmlns:a="http://schemas.openxmlformats.org/drawingml/2006/main" xmlns:r="http://schemas.openxmlformats.org/officeDocument/2006/relationships" xmlns:p="http://schemas.openxmlformats.org/presentationml/2006/main">
   <p:cSld>
     <p:bg>
@@ -3866,7 +3999,7 @@
           <a:p>
             <a:pPr algn="ctr"/>
             <a:r>
-              <a:rPr kumimoji="1" lang="en-US" altLang="zh-CN" sz="4800" dirty="0" smtClean="0"/>
+              <a:rPr kumimoji="1" lang="en-US" altLang="zh-CN" sz="4800" dirty="0"/>
               <a:t>Thank You</a:t>
             </a:r>
             <a:endParaRPr kumimoji="1" lang="zh-CN" altLang="en-US" sz="4800" dirty="0"/>
@@ -3928,13 +4061,6 @@
   <p:clrMapOvr>
     <a:masterClrMapping/>
   </p:clrMapOvr>
-  <p:timing>
-    <p:tnLst>
-      <p:par>
-        <p:cTn id="1" dur="indefinite" restart="never" nodeType="tmRoot"/>
-      </p:par>
-    </p:tnLst>
-  </p:timing>
 </p:sld>
 </file>
 
@@ -3977,7 +4103,7 @@
           <a:p>
             <a:pPr algn="ctr"/>
             <a:r>
-              <a:rPr kumimoji="1" lang="en-US" altLang="zh-CN" dirty="0" smtClean="0">
+              <a:rPr kumimoji="1" lang="en-US" altLang="zh-CN" dirty="0">
                 <a:latin typeface="Proxima Nova Regular"/>
                 <a:cs typeface="Proxima Nova Regular"/>
               </a:rPr>
@@ -4000,13 +4126,6 @@
   <p:clrMapOvr>
     <a:masterClrMapping/>
   </p:clrMapOvr>
-  <p:timing>
-    <p:tnLst>
-      <p:par>
-        <p:cTn id="1" dur="indefinite" restart="never" nodeType="tmRoot"/>
-      </p:par>
-    </p:tnLst>
-  </p:timing>
 </p:sld>
 </file>
 
@@ -4043,10 +4162,9 @@
           <a:lstStyle/>
           <a:p>
             <a:r>
-              <a:rPr lang="en-US" dirty="0" smtClean="0"/>
+              <a:rPr lang="en-US" dirty="0"/>
               <a:t>Canvas &amp;&amp; SVG</a:t>
             </a:r>
-            <a:endParaRPr lang="en-US" dirty="0"/>
           </a:p>
         </p:txBody>
       </p:sp>
@@ -4066,55 +4184,47 @@
           <a:lstStyle/>
           <a:p>
             <a:r>
-              <a:rPr lang="en-US" dirty="0" smtClean="0"/>
+              <a:rPr lang="en-US" dirty="0"/>
               <a:t>Canvas </a:t>
             </a:r>
           </a:p>
           <a:p>
             <a:pPr lvl="1"/>
             <a:r>
-              <a:rPr lang="zh-CN" altLang="en-US" dirty="0" smtClean="0"/>
+              <a:rPr lang="zh-CN" altLang="en-US" dirty="0"/>
               <a:t>高性能，脚本控制，元素绘制</a:t>
             </a:r>
-            <a:endParaRPr lang="en-US" altLang="zh-CN" dirty="0" smtClean="0"/>
+            <a:endParaRPr lang="en-US" altLang="zh-CN" dirty="0"/>
           </a:p>
           <a:p>
             <a:pPr lvl="1"/>
             <a:r>
               <a:rPr lang="zh-CN" altLang="en-US" dirty="0"/>
-              <a:t>适</a:t>
-            </a:r>
-            <a:r>
-              <a:rPr lang="zh-CN" altLang="en-US" dirty="0" smtClean="0"/>
-              <a:t>用于小面积、大数量场景</a:t>
+              <a:t>适用于小面积、大数量场景</a:t>
             </a:r>
             <a:endParaRPr lang="en-US" dirty="0"/>
           </a:p>
           <a:p>
             <a:r>
-              <a:rPr lang="en-US" dirty="0" smtClean="0"/>
+              <a:rPr lang="en-US" dirty="0"/>
               <a:t>SVG </a:t>
             </a:r>
           </a:p>
           <a:p>
             <a:pPr lvl="1"/>
             <a:r>
-              <a:rPr lang="zh-CN" altLang="en-US" dirty="0" smtClean="0"/>
+              <a:rPr lang="zh-CN" altLang="en-US" dirty="0"/>
               <a:t>矢量图，制作、使用方便</a:t>
             </a:r>
-            <a:endParaRPr lang="en-US" altLang="zh-CN" dirty="0" smtClean="0"/>
+            <a:endParaRPr lang="en-US" altLang="zh-CN" dirty="0"/>
           </a:p>
           <a:p>
             <a:pPr lvl="1"/>
             <a:r>
               <a:rPr lang="zh-CN" altLang="en-US" dirty="0"/>
-              <a:t>适</a:t>
-            </a:r>
-            <a:r>
-              <a:rPr lang="zh-CN" altLang="en-US" dirty="0" smtClean="0"/>
-              <a:t>用于大面积、小数量场景</a:t>
-            </a:r>
-            <a:endParaRPr lang="en-US" altLang="zh-CN" dirty="0" smtClean="0"/>
+              <a:t>适用于大面积、小数量场景</a:t>
+            </a:r>
+            <a:endParaRPr lang="en-US" altLang="zh-CN" dirty="0"/>
           </a:p>
         </p:txBody>
       </p:sp>
@@ -4128,13 +4238,6 @@
   <p:clrMapOvr>
     <a:masterClrMapping/>
   </p:clrMapOvr>
-  <p:timing>
-    <p:tnLst>
-      <p:par>
-        <p:cTn id="1" dur="indefinite" restart="never" nodeType="tmRoot"/>
-      </p:par>
-    </p:tnLst>
-  </p:timing>
 </p:sld>
 </file>
 
@@ -4171,11 +4274,11 @@
           <a:lstStyle/>
           <a:p>
             <a:r>
-              <a:rPr lang="en-US" dirty="0" smtClean="0"/>
+              <a:rPr lang="en-US" dirty="0"/>
               <a:t>Canvas </a:t>
             </a:r>
             <a:r>
-              <a:rPr lang="zh-CN" altLang="en-US" dirty="0" smtClean="0"/>
+              <a:rPr lang="zh-CN" altLang="en-US" dirty="0"/>
               <a:t>坐标</a:t>
             </a:r>
             <a:endParaRPr lang="en-US" dirty="0"/>
@@ -4202,26 +4305,22 @@
             </a:pPr>
             <a:r>
               <a:rPr lang="zh-CN" altLang="en-US" sz="2000" dirty="0"/>
-              <a:t>坐</a:t>
-            </a:r>
-            <a:r>
-              <a:rPr lang="zh-CN" altLang="en-US" sz="2000" dirty="0" smtClean="0"/>
-              <a:t>标</a:t>
-            </a:r>
-            <a:r>
-              <a:rPr lang="en-US" altLang="zh-CN" sz="2000" dirty="0" smtClean="0"/>
+              <a:t>坐标</a:t>
+            </a:r>
+            <a:r>
+              <a:rPr lang="en-US" altLang="zh-CN" sz="2000" dirty="0"/>
               <a:t>x</a:t>
             </a:r>
             <a:r>
-              <a:rPr lang="zh-CN" altLang="en-US" sz="2000" dirty="0" smtClean="0"/>
+              <a:rPr lang="zh-CN" altLang="en-US" sz="2000" dirty="0"/>
               <a:t>、</a:t>
             </a:r>
             <a:r>
-              <a:rPr lang="en-US" altLang="zh-CN" sz="2000" dirty="0" smtClean="0"/>
+              <a:rPr lang="en-US" altLang="zh-CN" sz="2000" dirty="0"/>
               <a:t>y</a:t>
             </a:r>
             <a:r>
-              <a:rPr lang="zh-CN" altLang="en-US" sz="2000" dirty="0" smtClean="0"/>
+              <a:rPr lang="zh-CN" altLang="en-US" sz="2000" dirty="0"/>
               <a:t>都为正数</a:t>
             </a:r>
             <a:endParaRPr lang="en-US" sz="2000" dirty="0"/>
@@ -4273,7 +4372,7 @@
           <a:p>
             <a:pPr algn="ctr"/>
             <a:r>
-              <a:rPr lang="en-US" sz="1400" dirty="0" smtClean="0">
+              <a:rPr lang="en-US" sz="1400" dirty="0">
                 <a:solidFill>
                   <a:schemeClr val="tx1"/>
                 </a:solidFill>
@@ -4283,14 +4382,6 @@
               </a:rPr>
               <a:t>(x, 1+)</a:t>
             </a:r>
-            <a:endParaRPr lang="en-US" sz="1400" dirty="0">
-              <a:solidFill>
-                <a:schemeClr val="tx1"/>
-              </a:solidFill>
-              <a:latin typeface="Arial" charset="0"/>
-              <a:ea typeface="Arial" charset="0"/>
-              <a:cs typeface="Arial" charset="0"/>
-            </a:endParaRPr>
           </a:p>
         </p:txBody>
       </p:sp>
@@ -4383,15 +4474,15 @@
           <a:lstStyle/>
           <a:p>
             <a:r>
-              <a:rPr lang="zh-CN" altLang="en-US" sz="1400" dirty="0" smtClean="0"/>
+              <a:rPr lang="zh-CN" altLang="en-US" sz="1400" dirty="0"/>
               <a:t>（</a:t>
             </a:r>
             <a:r>
-              <a:rPr lang="en-US" altLang="zh-CN" sz="1400" dirty="0" smtClean="0"/>
+              <a:rPr lang="en-US" altLang="zh-CN" sz="1400" dirty="0"/>
               <a:t>0, 0</a:t>
             </a:r>
             <a:r>
-              <a:rPr lang="zh-CN" altLang="en-US" sz="1400" dirty="0" smtClean="0"/>
+              <a:rPr lang="zh-CN" altLang="en-US" sz="1400" dirty="0"/>
               <a:t>）</a:t>
             </a:r>
             <a:endParaRPr lang="en-US" sz="1400" dirty="0"/>
@@ -4421,10 +4512,9 @@
           <a:lstStyle/>
           <a:p>
             <a:r>
-              <a:rPr lang="en-US" dirty="0" smtClean="0"/>
+              <a:rPr lang="en-US" dirty="0"/>
               <a:t>(y, 1+)</a:t>
             </a:r>
-            <a:endParaRPr lang="en-US" dirty="0"/>
           </a:p>
         </p:txBody>
       </p:sp>
@@ -4438,13 +4528,6 @@
   <p:clrMapOvr>
     <a:masterClrMapping/>
   </p:clrMapOvr>
-  <p:timing>
-    <p:tnLst>
-      <p:par>
-        <p:cTn id="1" dur="indefinite" restart="never" nodeType="tmRoot"/>
-      </p:par>
-    </p:tnLst>
-  </p:timing>
 </p:sld>
 </file>
 
@@ -4481,15 +4564,15 @@
           <a:lstStyle/>
           <a:p>
             <a:r>
-              <a:rPr lang="en-US" dirty="0" smtClean="0"/>
+              <a:rPr lang="en-US" dirty="0"/>
               <a:t>C</a:t>
             </a:r>
             <a:r>
-              <a:rPr lang="en-US" altLang="zh-CN" dirty="0" smtClean="0"/>
+              <a:rPr lang="en-US" altLang="zh-CN" dirty="0"/>
               <a:t>anvas </a:t>
             </a:r>
             <a:r>
-              <a:rPr lang="zh-CN" altLang="en-US" dirty="0" smtClean="0"/>
+              <a:rPr lang="zh-CN" altLang="en-US" dirty="0"/>
               <a:t>工具</a:t>
             </a:r>
             <a:endParaRPr lang="en-US" dirty="0"/>
@@ -4513,57 +4596,37 @@
           <a:p>
             <a:r>
               <a:rPr lang="zh-CN" altLang="en-US" dirty="0"/>
-              <a:t>矩</a:t>
-            </a:r>
-            <a:r>
-              <a:rPr lang="zh-CN" altLang="en-US" dirty="0" smtClean="0"/>
-              <a:t>形</a:t>
-            </a:r>
-            <a:endParaRPr lang="en-US" altLang="zh-CN" dirty="0" smtClean="0"/>
+              <a:t>矩形</a:t>
+            </a:r>
+            <a:endParaRPr lang="en-US" altLang="zh-CN" dirty="0"/>
           </a:p>
           <a:p>
             <a:r>
               <a:rPr lang="zh-CN" altLang="en-US" dirty="0"/>
-              <a:t>路</a:t>
-            </a:r>
-            <a:r>
-              <a:rPr lang="zh-CN" altLang="en-US" dirty="0" smtClean="0"/>
-              <a:t>径</a:t>
-            </a:r>
-            <a:endParaRPr lang="en-US" altLang="zh-CN" dirty="0" smtClean="0"/>
+              <a:t>路径</a:t>
+            </a:r>
+            <a:endParaRPr lang="en-US" altLang="zh-CN" dirty="0"/>
           </a:p>
           <a:p>
             <a:r>
               <a:rPr lang="zh-CN" altLang="en-US" dirty="0"/>
-              <a:t>样</a:t>
-            </a:r>
-            <a:r>
-              <a:rPr lang="zh-CN" altLang="en-US" dirty="0" smtClean="0"/>
-              <a:t>式</a:t>
-            </a:r>
-            <a:endParaRPr lang="en-US" altLang="zh-CN" dirty="0" smtClean="0"/>
+              <a:t>样式</a:t>
+            </a:r>
+            <a:endParaRPr lang="en-US" altLang="zh-CN" dirty="0"/>
           </a:p>
           <a:p>
             <a:r>
               <a:rPr lang="zh-CN" altLang="en-US" dirty="0"/>
-              <a:t>文</a:t>
-            </a:r>
-            <a:r>
-              <a:rPr lang="zh-CN" altLang="en-US" dirty="0" smtClean="0"/>
-              <a:t>本</a:t>
-            </a:r>
-            <a:endParaRPr lang="en-US" altLang="zh-CN" dirty="0" smtClean="0"/>
+              <a:t>文本</a:t>
+            </a:r>
+            <a:endParaRPr lang="en-US" altLang="zh-CN" dirty="0"/>
           </a:p>
           <a:p>
             <a:r>
               <a:rPr lang="zh-CN" altLang="en-US" dirty="0"/>
-              <a:t>图像绘</a:t>
-            </a:r>
-            <a:r>
-              <a:rPr lang="zh-CN" altLang="en-US" dirty="0" smtClean="0"/>
-              <a:t>制</a:t>
-            </a:r>
-            <a:endParaRPr lang="en-US" altLang="zh-CN" dirty="0" smtClean="0"/>
+              <a:t>图像绘制</a:t>
+            </a:r>
+            <a:endParaRPr lang="en-US" altLang="zh-CN" dirty="0"/>
           </a:p>
           <a:p>
             <a:pPr marL="0" indent="0">
@@ -4583,13 +4646,6 @@
   <p:clrMapOvr>
     <a:masterClrMapping/>
   </p:clrMapOvr>
-  <p:timing>
-    <p:tnLst>
-      <p:par>
-        <p:cTn id="1" dur="indefinite" restart="never" nodeType="tmRoot"/>
-      </p:par>
-    </p:tnLst>
-  </p:timing>
 </p:sld>
 </file>
 
@@ -4626,7 +4682,7 @@
           <a:lstStyle/>
           <a:p>
             <a:r>
-              <a:rPr lang="zh-CN" altLang="en-US" dirty="0" smtClean="0"/>
+              <a:rPr lang="zh-CN" altLang="en-US" dirty="0"/>
               <a:t>矩形</a:t>
             </a:r>
             <a:endParaRPr lang="en-US" dirty="0"/>
@@ -4649,44 +4705,75 @@
           <a:lstStyle/>
           <a:p>
             <a:r>
-              <a:rPr lang="en-US" dirty="0" err="1" smtClean="0"/>
+              <a:rPr lang="en-US" dirty="0" err="1"/>
               <a:t>rect</a:t>
             </a:r>
             <a:r>
-              <a:rPr lang="en-US" dirty="0" smtClean="0"/>
-              <a:t>(x, y, w, h)</a:t>
-            </a:r>
-          </a:p>
-          <a:p>
-            <a:r>
-              <a:rPr lang="en-US" dirty="0" err="1" smtClean="0"/>
+              <a:rPr lang="en-US" dirty="0"/>
+              <a:t>(</a:t>
+            </a:r>
+            <a:r>
+              <a:rPr lang="en-US" sz="2000" i="1" dirty="0"/>
+              <a:t>x, y, w, h</a:t>
+            </a:r>
+            <a:r>
+              <a:rPr lang="en-US" dirty="0"/>
+              <a:t>)</a:t>
+            </a:r>
+          </a:p>
+          <a:p>
+            <a:r>
+              <a:rPr lang="en-US" dirty="0" err="1"/>
               <a:t>fillRect</a:t>
             </a:r>
             <a:r>
-              <a:rPr lang="en-US" dirty="0" smtClean="0"/>
-              <a:t>(x, y, w, h)</a:t>
-            </a:r>
-          </a:p>
-          <a:p>
-            <a:r>
-              <a:rPr lang="en-US" dirty="0" err="1" smtClean="0"/>
+              <a:rPr lang="en-US" dirty="0"/>
+              <a:t>(</a:t>
+            </a:r>
+            <a:r>
+              <a:rPr lang="en-US" sz="2000" i="1" dirty="0"/>
+              <a:t>x, y, w, h</a:t>
+            </a:r>
+            <a:r>
+              <a:rPr lang="en-US" dirty="0"/>
+              <a:t>)</a:t>
+            </a:r>
+          </a:p>
+          <a:p>
+            <a:r>
+              <a:rPr lang="en-US" dirty="0" err="1"/>
               <a:t>strokeRect</a:t>
             </a:r>
             <a:r>
-              <a:rPr lang="en-US" dirty="0" smtClean="0"/>
-              <a:t>(x, y, w, h)</a:t>
-            </a:r>
-          </a:p>
-          <a:p>
-            <a:r>
-              <a:rPr lang="en-US" dirty="0" err="1" smtClean="0"/>
+              <a:rPr lang="en-US" dirty="0"/>
+              <a:t>(</a:t>
+            </a:r>
+            <a:r>
+              <a:rPr lang="en-US" sz="2000" i="1" dirty="0"/>
+              <a:t>x, y, w, h</a:t>
+            </a:r>
+            <a:r>
+              <a:rPr lang="en-US" dirty="0"/>
+              <a:t>)</a:t>
+            </a:r>
+          </a:p>
+          <a:p>
+            <a:r>
+              <a:rPr lang="en-US" dirty="0" err="1"/>
               <a:t>clearRect</a:t>
             </a:r>
             <a:r>
-              <a:rPr lang="en-US" dirty="0" smtClean="0"/>
-              <a:t>(x, y, w, h)</a:t>
-            </a:r>
-            <a:endParaRPr lang="en-US" dirty="0"/>
+              <a:rPr lang="en-US" dirty="0"/>
+              <a:t>(</a:t>
+            </a:r>
+            <a:r>
+              <a:rPr lang="en-US" sz="2000" i="1" dirty="0"/>
+              <a:t>x, y, w, h</a:t>
+            </a:r>
+            <a:r>
+              <a:rPr lang="en-US" dirty="0"/>
+              <a:t>)</a:t>
+            </a:r>
           </a:p>
         </p:txBody>
       </p:sp>
@@ -4700,13 +4787,6 @@
   <p:clrMapOvr>
     <a:masterClrMapping/>
   </p:clrMapOvr>
-  <p:timing>
-    <p:tnLst>
-      <p:par>
-        <p:cTn id="1" dur="indefinite" restart="never" nodeType="tmRoot"/>
-      </p:par>
-    </p:tnLst>
-  </p:timing>
 </p:sld>
 </file>
 
@@ -4766,33 +4846,33 @@
           <a:lstStyle/>
           <a:p>
             <a:r>
-              <a:rPr lang="en-US" dirty="0" err="1" smtClean="0"/>
+              <a:rPr lang="en-US" dirty="0" err="1"/>
               <a:t>beginPath</a:t>
             </a:r>
             <a:r>
-              <a:rPr lang="en-US" dirty="0" smtClean="0"/>
+              <a:rPr lang="en-US" dirty="0"/>
               <a:t>()</a:t>
             </a:r>
           </a:p>
           <a:p>
             <a:r>
-              <a:rPr lang="en-US" dirty="0" err="1" smtClean="0"/>
+              <a:rPr lang="en-US" dirty="0" err="1"/>
               <a:t>moveTo</a:t>
             </a:r>
             <a:r>
-              <a:rPr lang="en-US" dirty="0" smtClean="0"/>
+              <a:rPr lang="en-US" dirty="0"/>
               <a:t>(</a:t>
             </a:r>
             <a:r>
+              <a:rPr lang="en-US" sz="2000" i="1" dirty="0"/>
+              <a:t>x</a:t>
+            </a:r>
+            <a:r>
+              <a:rPr lang="en-US" altLang="zh-CN" sz="2000" i="1" dirty="0"/>
+              <a:t>, y</a:t>
+            </a:r>
+            <a:r>
               <a:rPr lang="en-US" dirty="0"/>
-              <a:t>x</a:t>
-            </a:r>
-            <a:r>
-              <a:rPr lang="en-US" altLang="zh-CN" dirty="0" smtClean="0"/>
-              <a:t>, y</a:t>
-            </a:r>
-            <a:r>
-              <a:rPr lang="en-US" dirty="0" smtClean="0"/>
               <a:t>)</a:t>
             </a:r>
           </a:p>
@@ -4802,28 +4882,32 @@
               <a:t>closePath</a:t>
             </a:r>
             <a:r>
-              <a:rPr lang="en-US" dirty="0" smtClean="0"/>
+              <a:rPr lang="en-US" dirty="0"/>
               <a:t>()</a:t>
             </a:r>
           </a:p>
           <a:p>
             <a:r>
-              <a:rPr lang="en-US" dirty="0" err="1" smtClean="0"/>
+              <a:rPr lang="en-US" dirty="0" err="1"/>
               <a:t>lineTo</a:t>
             </a:r>
             <a:r>
-              <a:rPr lang="en-US" dirty="0" smtClean="0"/>
-              <a:t>(x, y)</a:t>
-            </a:r>
-          </a:p>
-          <a:p>
-            <a:r>
               <a:rPr lang="en-US" dirty="0"/>
-              <a:t>clip</a:t>
-            </a:r>
-            <a:r>
-              <a:rPr lang="en-US" dirty="0" smtClean="0"/>
-              <a:t>()</a:t>
+              <a:t>(</a:t>
+            </a:r>
+            <a:r>
+              <a:rPr lang="en-US" sz="2000" i="1" dirty="0"/>
+              <a:t>x, y</a:t>
+            </a:r>
+            <a:r>
+              <a:rPr lang="en-US" dirty="0"/>
+              <a:t>)</a:t>
+            </a:r>
+          </a:p>
+          <a:p>
+            <a:r>
+              <a:rPr lang="en-US" dirty="0"/>
+              <a:t>clip()</a:t>
             </a:r>
           </a:p>
           <a:p>
@@ -4832,7 +4916,7 @@
               <a:t>quadraticCurveTo</a:t>
             </a:r>
             <a:r>
-              <a:rPr lang="en-US" dirty="0" smtClean="0"/>
+              <a:rPr lang="en-US" dirty="0"/>
               <a:t>()</a:t>
             </a:r>
           </a:p>
@@ -4845,28 +4929,54 @@
               <a:rPr lang="en-US" dirty="0"/>
               <a:t>()</a:t>
             </a:r>
-            <a:endParaRPr lang="en-US" dirty="0" smtClean="0"/>
           </a:p>
           <a:p>
             <a:r>
               <a:rPr lang="en-US" dirty="0"/>
-              <a:t>a</a:t>
-            </a:r>
-            <a:r>
-              <a:rPr lang="en-US" dirty="0" smtClean="0"/>
-              <a:t>rc()</a:t>
-            </a:r>
-          </a:p>
-          <a:p>
-            <a:r>
-              <a:rPr lang="en-US" dirty="0" err="1" smtClean="0"/>
+              <a:t>arc(</a:t>
+            </a:r>
+            <a:r>
+              <a:rPr lang="en-US" sz="2000" i="1" dirty="0"/>
+              <a:t>x, y, r, </a:t>
+            </a:r>
+            <a:r>
+              <a:rPr lang="en-US" sz="2000" i="1" dirty="0" err="1"/>
+              <a:t>sAngle</a:t>
+            </a:r>
+            <a:r>
+              <a:rPr lang="en-US" sz="2000" i="1" dirty="0"/>
+              <a:t>, </a:t>
+            </a:r>
+            <a:r>
+              <a:rPr lang="en-US" sz="2000" i="1" dirty="0" err="1"/>
+              <a:t>eAngle</a:t>
+            </a:r>
+            <a:r>
+              <a:rPr lang="en-US" sz="2000" i="1" dirty="0"/>
+              <a:t>, counterclockwise</a:t>
+            </a:r>
+            <a:r>
+              <a:rPr lang="en-US" dirty="0"/>
+              <a:t>)</a:t>
+            </a:r>
+          </a:p>
+          <a:p>
+            <a:r>
+              <a:rPr lang="en-US" dirty="0" err="1"/>
               <a:t>arcTo</a:t>
             </a:r>
             <a:r>
-              <a:rPr lang="en-US" dirty="0" smtClean="0"/>
-              <a:t>()</a:t>
-            </a:r>
-            <a:endParaRPr lang="en-US" dirty="0"/>
+              <a:rPr lang="en-US" dirty="0"/>
+              <a:t>(</a:t>
+            </a:r>
+            <a:r>
+              <a:rPr lang="es-ES" sz="2000" i="1" dirty="0"/>
+              <a:t>x1, y1, x2, y2, r</a:t>
+            </a:r>
+            <a:r>
+              <a:rPr lang="en-US" dirty="0"/>
+              <a:t>)</a:t>
+            </a:r>
           </a:p>
         </p:txBody>
       </p:sp>
@@ -4880,13 +4990,6 @@
   <p:clrMapOvr>
     <a:masterClrMapping/>
   </p:clrMapOvr>
-  <p:timing>
-    <p:tnLst>
-      <p:par>
-        <p:cTn id="1" dur="indefinite" restart="never" nodeType="tmRoot"/>
-      </p:par>
-    </p:tnLst>
-  </p:timing>
 </p:sld>
 </file>
 
@@ -4909,7 +5012,13 @@
       </p:grpSpPr>
       <p:sp>
         <p:nvSpPr>
-          <p:cNvPr id="2" name="Title 1"/>
+          <p:cNvPr id="2" name="标题 1">
+            <a:extLst>
+              <a:ext uri="{FF2B5EF4-FFF2-40B4-BE49-F238E27FC236}">
+                <a16:creationId xmlns:a16="http://schemas.microsoft.com/office/drawing/2014/main" id="{6C63DF92-CEDE-4380-92B5-BCE05BFD5135}"/>
+              </a:ext>
+            </a:extLst>
+          </p:cNvPr>
           <p:cNvSpPr>
             <a:spLocks noGrp="1"/>
           </p:cNvSpPr>
@@ -4923,16 +5032,22 @@
           <a:lstStyle/>
           <a:p>
             <a:r>
-              <a:rPr lang="zh-CN" altLang="en-US" dirty="0" smtClean="0"/>
-              <a:t>样式</a:t>
-            </a:r>
-            <a:endParaRPr lang="en-US" dirty="0"/>
+              <a:rPr lang="en-US" altLang="zh-CN" dirty="0" err="1"/>
+              <a:t>arcTo</a:t>
+            </a:r>
+            <a:endParaRPr lang="zh-CN" altLang="en-US" dirty="0"/>
           </a:p>
         </p:txBody>
       </p:sp>
       <p:sp>
         <p:nvSpPr>
-          <p:cNvPr id="3" name="Text Placeholder 2"/>
+          <p:cNvPr id="3" name="文本占位符 2">
+            <a:extLst>
+              <a:ext uri="{FF2B5EF4-FFF2-40B4-BE49-F238E27FC236}">
+                <a16:creationId xmlns:a16="http://schemas.microsoft.com/office/drawing/2014/main" id="{7FC65033-908F-4791-A8C0-1A0BB602DFDA}"/>
+              </a:ext>
+            </a:extLst>
+          </p:cNvPr>
           <p:cNvSpPr>
             <a:spLocks noGrp="1"/>
           </p:cNvSpPr>
@@ -4942,76 +5057,371 @@
         </p:nvSpPr>
         <p:spPr/>
         <p:txBody>
-          <a:bodyPr numCol="2"/>
+          <a:bodyPr/>
           <a:lstStyle/>
           <a:p>
             <a:r>
-              <a:rPr lang="en-US" dirty="0" err="1" smtClean="0"/>
-              <a:t>fillStyle</a:t>
-            </a:r>
-            <a:r>
-              <a:rPr lang="en-US" dirty="0" smtClean="0"/>
-              <a:t>	</a:t>
-            </a:r>
-          </a:p>
-          <a:p>
-            <a:r>
-              <a:rPr lang="en-US" dirty="0" err="1" smtClean="0"/>
-              <a:t>strokeStyle</a:t>
-            </a:r>
-            <a:endParaRPr lang="en-US" dirty="0" smtClean="0"/>
-          </a:p>
-          <a:p>
-            <a:r>
-              <a:rPr lang="en-US" dirty="0" err="1" smtClean="0"/>
-              <a:t>shadowColor</a:t>
-            </a:r>
-            <a:endParaRPr lang="en-US" dirty="0"/>
-          </a:p>
-          <a:p>
-            <a:r>
-              <a:rPr lang="en-US" altLang="zh-CN" dirty="0" err="1" smtClean="0"/>
-              <a:t>shadowBlur</a:t>
-            </a:r>
-            <a:endParaRPr lang="en-US" altLang="zh-CN" dirty="0" smtClean="0"/>
-          </a:p>
-          <a:p>
-            <a:r>
-              <a:rPr lang="en-US" dirty="0" err="1" smtClean="0"/>
-              <a:t>shadowOffsetX</a:t>
-            </a:r>
-            <a:endParaRPr lang="en-US" dirty="0" smtClean="0"/>
-          </a:p>
-          <a:p>
-            <a:r>
-              <a:rPr lang="en-US" dirty="0" err="1" smtClean="0"/>
-              <a:t>shadowOffsetY</a:t>
-            </a:r>
-            <a:r>
-              <a:rPr lang="en-US" dirty="0" smtClean="0"/>
-              <a:t>		</a:t>
-            </a:r>
-            <a:endParaRPr lang="en-US" dirty="0"/>
+              <a:rPr lang="en-US" altLang="zh-CN" dirty="0" err="1"/>
+              <a:t>arcTo</a:t>
+            </a:r>
+            <a:r>
+              <a:rPr lang="en-US" altLang="zh-CN" dirty="0"/>
+              <a:t>(x1, y1, x2 y2, r)</a:t>
+            </a:r>
+            <a:endParaRPr lang="zh-CN" altLang="en-US" dirty="0"/>
+          </a:p>
+        </p:txBody>
+      </p:sp>
+      <p:sp>
+        <p:nvSpPr>
+          <p:cNvPr id="4" name="弧形 3">
+            <a:extLst>
+              <a:ext uri="{FF2B5EF4-FFF2-40B4-BE49-F238E27FC236}">
+                <a16:creationId xmlns:a16="http://schemas.microsoft.com/office/drawing/2014/main" id="{CDEF0C68-B64B-466E-8D7E-901DBE257FAF}"/>
+              </a:ext>
+            </a:extLst>
+          </p:cNvPr>
+          <p:cNvSpPr/>
+          <p:nvPr/>
+        </p:nvSpPr>
+        <p:spPr>
+          <a:xfrm>
+            <a:off x="3941685" y="2956264"/>
+            <a:ext cx="2272684" cy="1970843"/>
+          </a:xfrm>
+          <a:prstGeom prst="arc">
+            <a:avLst/>
+          </a:prstGeom>
+        </p:spPr>
+        <p:style>
+          <a:lnRef idx="1">
+            <a:schemeClr val="dk1"/>
+          </a:lnRef>
+          <a:fillRef idx="0">
+            <a:schemeClr val="dk1"/>
+          </a:fillRef>
+          <a:effectRef idx="0">
+            <a:schemeClr val="dk1"/>
+          </a:effectRef>
+          <a:fontRef idx="minor">
+            <a:schemeClr val="tx1"/>
+          </a:fontRef>
+        </p:style>
+        <p:txBody>
+          <a:bodyPr rtlCol="0" anchor="ctr"/>
+          <a:lstStyle/>
+          <a:p>
+            <a:pPr algn="ctr"/>
+            <a:endParaRPr lang="zh-CN" altLang="en-US"/>
+          </a:p>
+        </p:txBody>
+      </p:sp>
+      <p:cxnSp>
+        <p:nvCxnSpPr>
+          <p:cNvPr id="6" name="直接连接符 5">
+            <a:extLst>
+              <a:ext uri="{FF2B5EF4-FFF2-40B4-BE49-F238E27FC236}">
+                <a16:creationId xmlns:a16="http://schemas.microsoft.com/office/drawing/2014/main" id="{8F575DF3-9F6A-4669-AEFC-2C189FDC6B46}"/>
+              </a:ext>
+            </a:extLst>
+          </p:cNvPr>
+          <p:cNvCxnSpPr>
+            <a:stCxn id="4" idx="0"/>
+          </p:cNvCxnSpPr>
+          <p:nvPr/>
+        </p:nvCxnSpPr>
+        <p:spPr>
+          <a:xfrm>
+            <a:off x="5078027" y="2956264"/>
+            <a:ext cx="1198486" cy="0"/>
+          </a:xfrm>
+          <a:prstGeom prst="line">
+            <a:avLst/>
+          </a:prstGeom>
+        </p:spPr>
+        <p:style>
+          <a:lnRef idx="1">
+            <a:schemeClr val="accent1"/>
+          </a:lnRef>
+          <a:fillRef idx="0">
+            <a:schemeClr val="accent1"/>
+          </a:fillRef>
+          <a:effectRef idx="0">
+            <a:schemeClr val="accent1"/>
+          </a:effectRef>
+          <a:fontRef idx="minor">
+            <a:schemeClr val="tx1"/>
+          </a:fontRef>
+        </p:style>
+      </p:cxnSp>
+      <p:cxnSp>
+        <p:nvCxnSpPr>
+          <p:cNvPr id="8" name="直接连接符 7">
+            <a:extLst>
+              <a:ext uri="{FF2B5EF4-FFF2-40B4-BE49-F238E27FC236}">
+                <a16:creationId xmlns:a16="http://schemas.microsoft.com/office/drawing/2014/main" id="{AB30833A-A26E-40EF-A0A8-CB71DC43794E}"/>
+              </a:ext>
+            </a:extLst>
+          </p:cNvPr>
+          <p:cNvCxnSpPr>
+            <a:stCxn id="4" idx="2"/>
+          </p:cNvCxnSpPr>
+          <p:nvPr/>
+        </p:nvCxnSpPr>
+        <p:spPr>
+          <a:xfrm flipV="1">
+            <a:off x="6214369" y="2956264"/>
+            <a:ext cx="0" cy="985422"/>
+          </a:xfrm>
+          <a:prstGeom prst="line">
+            <a:avLst/>
+          </a:prstGeom>
+        </p:spPr>
+        <p:style>
+          <a:lnRef idx="1">
+            <a:schemeClr val="accent1"/>
+          </a:lnRef>
+          <a:fillRef idx="0">
+            <a:schemeClr val="accent1"/>
+          </a:fillRef>
+          <a:effectRef idx="0">
+            <a:schemeClr val="accent1"/>
+          </a:effectRef>
+          <a:fontRef idx="minor">
+            <a:schemeClr val="tx1"/>
+          </a:fontRef>
+        </p:style>
+      </p:cxnSp>
+      <p:cxnSp>
+        <p:nvCxnSpPr>
+          <p:cNvPr id="10" name="直接连接符 9">
+            <a:extLst>
+              <a:ext uri="{FF2B5EF4-FFF2-40B4-BE49-F238E27FC236}">
+                <a16:creationId xmlns:a16="http://schemas.microsoft.com/office/drawing/2014/main" id="{E32D1960-FE90-4C3D-94FF-32F2AE40F6BD}"/>
+              </a:ext>
+            </a:extLst>
+          </p:cNvPr>
+          <p:cNvCxnSpPr/>
+          <p:nvPr/>
+        </p:nvCxnSpPr>
+        <p:spPr>
+          <a:xfrm>
+            <a:off x="5078027" y="2956264"/>
+            <a:ext cx="0" cy="985422"/>
+          </a:xfrm>
+          <a:prstGeom prst="line">
+            <a:avLst/>
+          </a:prstGeom>
+        </p:spPr>
+        <p:style>
+          <a:lnRef idx="1">
+            <a:schemeClr val="accent1"/>
+          </a:lnRef>
+          <a:fillRef idx="0">
+            <a:schemeClr val="accent1"/>
+          </a:fillRef>
+          <a:effectRef idx="0">
+            <a:schemeClr val="accent1"/>
+          </a:effectRef>
+          <a:fontRef idx="minor">
+            <a:schemeClr val="tx1"/>
+          </a:fontRef>
+        </p:style>
+      </p:cxnSp>
+      <p:cxnSp>
+        <p:nvCxnSpPr>
+          <p:cNvPr id="12" name="直接连接符 11">
+            <a:extLst>
+              <a:ext uri="{FF2B5EF4-FFF2-40B4-BE49-F238E27FC236}">
+                <a16:creationId xmlns:a16="http://schemas.microsoft.com/office/drawing/2014/main" id="{4BD3A93B-427C-4041-BAE3-9AA91E263B65}"/>
+              </a:ext>
+            </a:extLst>
+          </p:cNvPr>
+          <p:cNvCxnSpPr>
+            <a:endCxn id="4" idx="2"/>
+          </p:cNvCxnSpPr>
+          <p:nvPr/>
+        </p:nvCxnSpPr>
+        <p:spPr>
+          <a:xfrm>
+            <a:off x="5078027" y="3941686"/>
+            <a:ext cx="1136342" cy="0"/>
+          </a:xfrm>
+          <a:prstGeom prst="line">
+            <a:avLst/>
+          </a:prstGeom>
+        </p:spPr>
+        <p:style>
+          <a:lnRef idx="1">
+            <a:schemeClr val="accent1"/>
+          </a:lnRef>
+          <a:fillRef idx="0">
+            <a:schemeClr val="accent1"/>
+          </a:fillRef>
+          <a:effectRef idx="0">
+            <a:schemeClr val="accent1"/>
+          </a:effectRef>
+          <a:fontRef idx="minor">
+            <a:schemeClr val="tx1"/>
+          </a:fontRef>
+        </p:style>
+      </p:cxnSp>
+      <p:sp>
+        <p:nvSpPr>
+          <p:cNvPr id="13" name="文本框 12">
+            <a:extLst>
+              <a:ext uri="{FF2B5EF4-FFF2-40B4-BE49-F238E27FC236}">
+                <a16:creationId xmlns:a16="http://schemas.microsoft.com/office/drawing/2014/main" id="{CFB39EFA-59DB-41B3-BC86-1C39BE42E2A4}"/>
+              </a:ext>
+            </a:extLst>
+          </p:cNvPr>
+          <p:cNvSpPr txBox="1"/>
+          <p:nvPr/>
+        </p:nvSpPr>
+        <p:spPr>
+          <a:xfrm>
+            <a:off x="6113605" y="2731648"/>
+            <a:ext cx="750526" cy="338554"/>
+          </a:xfrm>
+          <a:prstGeom prst="rect">
+            <a:avLst/>
+          </a:prstGeom>
+          <a:noFill/>
+        </p:spPr>
+        <p:txBody>
+          <a:bodyPr wrap="none" rtlCol="0">
+            <a:spAutoFit/>
+          </a:bodyPr>
+          <a:lstStyle/>
+          <a:p>
+            <a:r>
+              <a:rPr lang="en-US" altLang="zh-CN" sz="1600" dirty="0"/>
+              <a:t>(x1,y1)</a:t>
+            </a:r>
+            <a:endParaRPr lang="zh-CN" altLang="en-US" sz="1600" dirty="0"/>
+          </a:p>
+        </p:txBody>
+      </p:sp>
+      <p:cxnSp>
+        <p:nvCxnSpPr>
+          <p:cNvPr id="15" name="直接连接符 14">
+            <a:extLst>
+              <a:ext uri="{FF2B5EF4-FFF2-40B4-BE49-F238E27FC236}">
+                <a16:creationId xmlns:a16="http://schemas.microsoft.com/office/drawing/2014/main" id="{AB81F334-537F-419A-8ABA-143424EEDB64}"/>
+              </a:ext>
+            </a:extLst>
+          </p:cNvPr>
+          <p:cNvCxnSpPr>
+            <a:stCxn id="4" idx="2"/>
+          </p:cNvCxnSpPr>
+          <p:nvPr/>
+        </p:nvCxnSpPr>
+        <p:spPr>
+          <a:xfrm>
+            <a:off x="6214369" y="3941686"/>
+            <a:ext cx="0" cy="807867"/>
+          </a:xfrm>
+          <a:prstGeom prst="line">
+            <a:avLst/>
+          </a:prstGeom>
+        </p:spPr>
+        <p:style>
+          <a:lnRef idx="1">
+            <a:schemeClr val="accent1"/>
+          </a:lnRef>
+          <a:fillRef idx="0">
+            <a:schemeClr val="accent1"/>
+          </a:fillRef>
+          <a:effectRef idx="0">
+            <a:schemeClr val="accent1"/>
+          </a:effectRef>
+          <a:fontRef idx="minor">
+            <a:schemeClr val="tx1"/>
+          </a:fontRef>
+        </p:style>
+      </p:cxnSp>
+      <p:sp>
+        <p:nvSpPr>
+          <p:cNvPr id="16" name="文本框 15">
+            <a:extLst>
+              <a:ext uri="{FF2B5EF4-FFF2-40B4-BE49-F238E27FC236}">
+                <a16:creationId xmlns:a16="http://schemas.microsoft.com/office/drawing/2014/main" id="{341879A2-7A3A-4CB0-BBB0-5E0ACD99F0D2}"/>
+              </a:ext>
+            </a:extLst>
+          </p:cNvPr>
+          <p:cNvSpPr txBox="1"/>
+          <p:nvPr/>
+        </p:nvSpPr>
+        <p:spPr>
+          <a:xfrm>
+            <a:off x="6209144" y="4264835"/>
+            <a:ext cx="797013" cy="338554"/>
+          </a:xfrm>
+          <a:prstGeom prst="rect">
+            <a:avLst/>
+          </a:prstGeom>
+          <a:noFill/>
+        </p:spPr>
+        <p:txBody>
+          <a:bodyPr wrap="none" rtlCol="0">
+            <a:spAutoFit/>
+          </a:bodyPr>
+          <a:lstStyle/>
+          <a:p>
+            <a:r>
+              <a:rPr lang="en-US" altLang="zh-CN" sz="1600" dirty="0"/>
+              <a:t>(x2, y2)</a:t>
+            </a:r>
+            <a:endParaRPr lang="zh-CN" altLang="en-US" sz="1600" dirty="0"/>
+          </a:p>
+        </p:txBody>
+      </p:sp>
+      <p:sp>
+        <p:nvSpPr>
+          <p:cNvPr id="17" name="文本框 16">
+            <a:extLst>
+              <a:ext uri="{FF2B5EF4-FFF2-40B4-BE49-F238E27FC236}">
+                <a16:creationId xmlns:a16="http://schemas.microsoft.com/office/drawing/2014/main" id="{282B3A65-F5AF-402F-A348-8D5EF77573C1}"/>
+              </a:ext>
+            </a:extLst>
+          </p:cNvPr>
+          <p:cNvSpPr txBox="1"/>
+          <p:nvPr/>
+        </p:nvSpPr>
+        <p:spPr>
+          <a:xfrm>
+            <a:off x="5381382" y="3877140"/>
+            <a:ext cx="264816" cy="369332"/>
+          </a:xfrm>
+          <a:prstGeom prst="rect">
+            <a:avLst/>
+          </a:prstGeom>
+          <a:noFill/>
+        </p:spPr>
+        <p:txBody>
+          <a:bodyPr wrap="none" rtlCol="0">
+            <a:spAutoFit/>
+          </a:bodyPr>
+          <a:lstStyle/>
+          <a:p>
+            <a:r>
+              <a:rPr lang="en-US" altLang="zh-CN" dirty="0"/>
+              <a:t>r</a:t>
+            </a:r>
+            <a:endParaRPr lang="zh-CN" altLang="en-US" dirty="0"/>
           </a:p>
         </p:txBody>
       </p:sp>
     </p:spTree>
     <p:extLst>
       <p:ext uri="{BB962C8B-B14F-4D97-AF65-F5344CB8AC3E}">
-        <p14:creationId xmlns:p14="http://schemas.microsoft.com/office/powerpoint/2010/main" val="4174987649"/>
+        <p14:creationId xmlns:p14="http://schemas.microsoft.com/office/powerpoint/2010/main" val="754175744"/>
       </p:ext>
     </p:extLst>
   </p:cSld>
   <p:clrMapOvr>
     <a:masterClrMapping/>
   </p:clrMapOvr>
-  <p:timing>
-    <p:tnLst>
-      <p:par>
-        <p:cTn id="1" dur="indefinite" restart="never" nodeType="tmRoot"/>
-      </p:par>
-    </p:tnLst>
-  </p:timing>
 </p:sld>
 </file>
 
@@ -5048,8 +5458,8 @@
           <a:lstStyle/>
           <a:p>
             <a:r>
-              <a:rPr lang="zh-CN" altLang="en-US" dirty="0" smtClean="0"/>
-              <a:t>文本</a:t>
+              <a:rPr lang="zh-CN" altLang="en-US" dirty="0"/>
+              <a:t>样式</a:t>
             </a:r>
             <a:endParaRPr lang="en-US" dirty="0"/>
           </a:p>
@@ -5065,196 +5475,70 @@
             <p:ph type="body" sz="quarter" idx="13"/>
           </p:nvPr>
         </p:nvSpPr>
-        <p:spPr>
-          <a:xfrm>
-            <a:off x="691932" y="1567793"/>
-            <a:ext cx="10806850" cy="4618695"/>
-          </a:xfrm>
-        </p:spPr>
+        <p:spPr/>
         <p:txBody>
           <a:bodyPr numCol="2"/>
           <a:lstStyle/>
           <a:p>
             <a:r>
-              <a:rPr lang="zh-CN" altLang="en-US" dirty="0"/>
-              <a:t>属</a:t>
-            </a:r>
-            <a:r>
-              <a:rPr lang="zh-CN" altLang="en-US" dirty="0" smtClean="0"/>
-              <a:t>性</a:t>
-            </a:r>
-            <a:endParaRPr lang="en-US" altLang="zh-CN" dirty="0" smtClean="0"/>
-          </a:p>
-          <a:p>
-            <a:pPr lvl="1"/>
-            <a:r>
-              <a:rPr lang="en-US" altLang="zh-CN" dirty="0"/>
-              <a:t>f</a:t>
-            </a:r>
-            <a:r>
-              <a:rPr lang="en-US" altLang="zh-CN" dirty="0" smtClean="0"/>
-              <a:t>ont</a:t>
-            </a:r>
-          </a:p>
-          <a:p>
-            <a:pPr lvl="1"/>
-            <a:r>
-              <a:rPr lang="en-US" altLang="zh-CN" dirty="0" err="1" smtClean="0"/>
-              <a:t>textAlign</a:t>
-            </a:r>
-            <a:endParaRPr lang="en-US" altLang="zh-CN" dirty="0" smtClean="0"/>
-          </a:p>
-          <a:p>
-            <a:pPr lvl="1"/>
-            <a:r>
-              <a:rPr lang="en-US" altLang="zh-CN" dirty="0" err="1" smtClean="0"/>
-              <a:t>textBaseline</a:t>
-            </a:r>
-            <a:endParaRPr lang="en-US" altLang="zh-CN" dirty="0" smtClean="0"/>
-          </a:p>
-          <a:p>
+              <a:rPr lang="en-US" dirty="0" err="1"/>
+              <a:t>fillStyle</a:t>
+            </a:r>
+            <a:r>
+              <a:rPr lang="en-US" dirty="0"/>
+              <a:t>	</a:t>
+            </a:r>
+          </a:p>
+          <a:p>
+            <a:r>
+              <a:rPr lang="en-US" dirty="0" err="1"/>
+              <a:t>strokeStyle</a:t>
+            </a:r>
+            <a:endParaRPr lang="en-US" dirty="0"/>
+          </a:p>
+          <a:p>
+            <a:r>
+              <a:rPr lang="en-US" dirty="0" err="1"/>
+              <a:t>shadowColor</a:t>
+            </a:r>
+            <a:endParaRPr lang="en-US" dirty="0"/>
+          </a:p>
+          <a:p>
+            <a:r>
+              <a:rPr lang="en-US" altLang="zh-CN" dirty="0" err="1"/>
+              <a:t>shadowBlur</a:t>
+            </a:r>
             <a:endParaRPr lang="en-US" altLang="zh-CN" dirty="0"/>
           </a:p>
           <a:p>
-            <a:endParaRPr lang="en-US" altLang="zh-CN" dirty="0" smtClean="0"/>
-          </a:p>
-          <a:p>
-            <a:endParaRPr lang="en-US" altLang="zh-CN" dirty="0"/>
-          </a:p>
-          <a:p>
-            <a:endParaRPr lang="en-US" altLang="zh-CN" dirty="0" smtClean="0"/>
-          </a:p>
-          <a:p>
-            <a:pPr marL="0" indent="0">
-              <a:buNone/>
-            </a:pPr>
-            <a:endParaRPr lang="en-US" altLang="zh-CN" dirty="0" smtClean="0"/>
-          </a:p>
-          <a:p>
-            <a:r>
-              <a:rPr lang="zh-CN" altLang="en-US" dirty="0"/>
-              <a:t>方</a:t>
-            </a:r>
-            <a:r>
-              <a:rPr lang="zh-CN" altLang="en-US" dirty="0" smtClean="0"/>
-              <a:t>法</a:t>
-            </a:r>
-            <a:endParaRPr lang="en-US" altLang="zh-CN" dirty="0" smtClean="0"/>
-          </a:p>
-          <a:p>
-            <a:pPr lvl="1"/>
-            <a:r>
-              <a:rPr lang="en-US" altLang="zh-CN" dirty="0" err="1"/>
-              <a:t>fillText</a:t>
-            </a:r>
-            <a:r>
-              <a:rPr lang="en-US" altLang="zh-CN" dirty="0"/>
-              <a:t>(</a:t>
-            </a:r>
-            <a:r>
-              <a:rPr lang="en-US" altLang="zh-CN" sz="2000" i="1" dirty="0"/>
-              <a:t>text</a:t>
-            </a:r>
-            <a:r>
-              <a:rPr lang="en-US" altLang="zh-CN" sz="2000" i="1" dirty="0" smtClean="0"/>
-              <a:t>, x, y, </a:t>
-            </a:r>
-            <a:r>
-              <a:rPr lang="en-US" altLang="zh-CN" sz="2000" i="1" dirty="0" err="1" smtClean="0"/>
-              <a:t>maxWidth</a:t>
-            </a:r>
-            <a:r>
-              <a:rPr lang="en-US" altLang="zh-CN" dirty="0"/>
-              <a:t>)</a:t>
-            </a:r>
-            <a:endParaRPr lang="en-US" altLang="zh-CN" dirty="0" smtClean="0"/>
-          </a:p>
-          <a:p>
-            <a:pPr lvl="1"/>
-            <a:r>
-              <a:rPr lang="en-US" altLang="zh-CN" dirty="0" err="1" smtClean="0"/>
-              <a:t>strokeText</a:t>
-            </a:r>
-            <a:r>
-              <a:rPr lang="en-US" altLang="zh-CN" dirty="0" smtClean="0"/>
-              <a:t>(</a:t>
-            </a:r>
-            <a:r>
-              <a:rPr lang="en-US" altLang="zh-CN" i="1" dirty="0" smtClean="0"/>
-              <a:t>text</a:t>
-            </a:r>
-            <a:r>
-              <a:rPr lang="en-US" altLang="zh-CN" i="1" dirty="0"/>
-              <a:t>, x, y, </a:t>
-            </a:r>
-            <a:r>
-              <a:rPr lang="en-US" altLang="zh-CN" i="1" dirty="0" err="1"/>
-              <a:t>maxWidth</a:t>
-            </a:r>
-            <a:r>
-              <a:rPr lang="en-US" altLang="zh-CN" dirty="0"/>
-              <a:t>)</a:t>
-            </a:r>
-          </a:p>
-          <a:p>
-            <a:pPr lvl="1"/>
-            <a:r>
-              <a:rPr lang="en-US" altLang="zh-CN" dirty="0" err="1" smtClean="0"/>
-              <a:t>measureText</a:t>
-            </a:r>
-            <a:r>
-              <a:rPr lang="en-US" altLang="zh-CN" dirty="0" smtClean="0"/>
-              <a:t>(</a:t>
-            </a:r>
-            <a:r>
-              <a:rPr lang="en-US" altLang="zh-CN" i="1" dirty="0" smtClean="0"/>
-              <a:t>text</a:t>
-            </a:r>
-            <a:r>
-              <a:rPr lang="en-US" altLang="zh-CN" dirty="0" smtClean="0"/>
-              <a:t>)</a:t>
-            </a:r>
-            <a:endParaRPr lang="en-US" altLang="zh-CN" dirty="0"/>
-          </a:p>
-          <a:p>
-            <a:pPr lvl="2"/>
-            <a:r>
-              <a:rPr lang="en-US" altLang="zh-CN" dirty="0" err="1"/>
-              <a:t>measureText</a:t>
-            </a:r>
-            <a:r>
-              <a:rPr lang="en-US" altLang="zh-CN" dirty="0"/>
-              <a:t>(</a:t>
-            </a:r>
-            <a:r>
-              <a:rPr lang="en-US" altLang="zh-CN" i="1" dirty="0"/>
-              <a:t>text</a:t>
-            </a:r>
-            <a:r>
-              <a:rPr lang="en-US" altLang="zh-CN" dirty="0" smtClean="0"/>
-              <a:t>).width	</a:t>
+            <a:r>
+              <a:rPr lang="en-US" dirty="0" err="1"/>
+              <a:t>shadowOffsetX</a:t>
             </a:r>
             <a:endParaRPr lang="en-US" dirty="0"/>
+          </a:p>
+          <a:p>
+            <a:r>
+              <a:rPr lang="en-US" dirty="0" err="1"/>
+              <a:t>shadowOffsetY</a:t>
+            </a:r>
+            <a:r>
+              <a:rPr lang="en-US" dirty="0"/>
+              <a:t>		</a:t>
+            </a:r>
           </a:p>
         </p:txBody>
       </p:sp>
     </p:spTree>
     <p:extLst>
       <p:ext uri="{BB962C8B-B14F-4D97-AF65-F5344CB8AC3E}">
-        <p14:creationId xmlns:p14="http://schemas.microsoft.com/office/powerpoint/2010/main" val="3277079948"/>
+        <p14:creationId xmlns:p14="http://schemas.microsoft.com/office/powerpoint/2010/main" val="4174987649"/>
       </p:ext>
     </p:extLst>
   </p:cSld>
   <p:clrMapOvr>
     <a:masterClrMapping/>
   </p:clrMapOvr>
-  <p:timing>
-    <p:tnLst>
-      <p:par>
-        <p:cTn id="1" dur="indefinite" restart="never" nodeType="tmRoot"/>
-      </p:par>
-    </p:tnLst>
-  </p:timing>
 </p:sld>
 </file>
 
@@ -5553,7 +5837,7 @@
   <a:extraClrSchemeLst/>
   <a:extLst>
     <a:ext uri="{05A4C25C-085E-4340-85A3-A5531E510DB2}">
-      <thm15:themeFamily xmlns="" xmlns:thm15="http://schemas.microsoft.com/office/thememl/2012/main" name="Office Theme" id="{62F939B6-93AF-4DB8-9C6B-D6C7DFDC589F}" vid="{4A3C46E8-61CC-4603-A589-7422A47A8E4A}"/>
+      <thm15:themeFamily xmlns:thm15="http://schemas.microsoft.com/office/thememl/2012/main" name="Office Theme" id="{62F939B6-93AF-4DB8-9C6B-D6C7DFDC589F}" vid="{4A3C46E8-61CC-4603-A589-7422A47A8E4A}"/>
     </a:ext>
   </a:extLst>
 </a:theme>
@@ -6134,7 +6418,7 @@
   <a:extraClrSchemeLst/>
   <a:extLst>
     <a:ext uri="{05A4C25C-085E-4340-85A3-A5531E510DB2}">
-      <thm15:themeFamily xmlns="" xmlns:thm15="http://schemas.microsoft.com/office/thememl/2012/main" name="Office Theme" id="{62F939B6-93AF-4DB8-9C6B-D6C7DFDC589F}" vid="{4A3C46E8-61CC-4603-A589-7422A47A8E4A}"/>
+      <thm15:themeFamily xmlns:thm15="http://schemas.microsoft.com/office/thememl/2012/main" name="Office Theme" id="{62F939B6-93AF-4DB8-9C6B-D6C7DFDC589F}" vid="{4A3C46E8-61CC-4603-A589-7422A47A8E4A}"/>
     </a:ext>
   </a:extLst>
 </a:theme>

--- a/canvas.pptx
+++ b/canvas.pptx
@@ -143,7 +143,7 @@
       </p14:sectionLst>
     </p:ext>
     <p:ext uri="{EFAFB233-063F-42B5-8137-9DF3F51BA10A}">
-      <p15:sldGuideLst xmlns:p15="http://schemas.microsoft.com/office/powerpoint/2012/main">
+      <p15:sldGuideLst xmlns:p15="http://schemas.microsoft.com/office/powerpoint/2012/main" xmlns="">
         <p15:guide id="1" orient="horz" pos="2244">
           <p15:clr>
             <a:srgbClr val="A4A3A4"/>
@@ -172,7 +172,7 @@
       </p15:sldGuideLst>
     </p:ext>
     <p:ext uri="{2D200454-40CA-4A62-9FC3-DE9A4176ACB9}">
-      <p15:notesGuideLst xmlns:p15="http://schemas.microsoft.com/office/powerpoint/2012/main">
+      <p15:notesGuideLst xmlns:p15="http://schemas.microsoft.com/office/powerpoint/2012/main" xmlns="">
         <p15:guide id="1" orient="horz" pos="2880">
           <p15:clr>
             <a:srgbClr val="A4A3A4"/>
@@ -454,7 +454,7 @@
           <a:p>
             <a:fld id="{8A52B13F-C48F-7646-AC29-0F414B4ED11F}" type="datetimeFigureOut">
               <a:rPr lang="en-US" smtClean="0"/>
-              <a:t>7/29/2018</a:t>
+              <a:t>7/30/2018</a:t>
             </a:fld>
             <a:endParaRPr lang="en-US"/>
           </a:p>
@@ -979,6 +979,90 @@
 </file>
 
 <file path=ppt/notesSlides/notesSlide4.xml><?xml version="1.0" encoding="utf-8"?>
+<p:notes xmlns:a="http://schemas.openxmlformats.org/drawingml/2006/main" xmlns:r="http://schemas.openxmlformats.org/officeDocument/2006/relationships" xmlns:p="http://schemas.openxmlformats.org/presentationml/2006/main">
+  <p:cSld>
+    <p:spTree>
+      <p:nvGrpSpPr>
+        <p:cNvPr id="1" name=""/>
+        <p:cNvGrpSpPr/>
+        <p:nvPr/>
+      </p:nvGrpSpPr>
+      <p:grpSpPr>
+        <a:xfrm>
+          <a:off x="0" y="0"/>
+          <a:ext cx="0" cy="0"/>
+          <a:chOff x="0" y="0"/>
+          <a:chExt cx="0" cy="0"/>
+        </a:xfrm>
+      </p:grpSpPr>
+      <p:sp>
+        <p:nvSpPr>
+          <p:cNvPr id="2" name="Slide Image Placeholder 1"/>
+          <p:cNvSpPr>
+            <a:spLocks noGrp="1" noRot="1" noChangeAspect="1"/>
+          </p:cNvSpPr>
+          <p:nvPr>
+            <p:ph type="sldImg"/>
+          </p:nvPr>
+        </p:nvSpPr>
+        <p:spPr/>
+      </p:sp>
+      <p:sp>
+        <p:nvSpPr>
+          <p:cNvPr id="3" name="Notes Placeholder 2"/>
+          <p:cNvSpPr>
+            <a:spLocks noGrp="1"/>
+          </p:cNvSpPr>
+          <p:nvPr>
+            <p:ph type="body" idx="1"/>
+          </p:nvPr>
+        </p:nvSpPr>
+        <p:spPr/>
+        <p:txBody>
+          <a:bodyPr/>
+          <a:lstStyle/>
+          <a:p>
+            <a:endParaRPr lang="en-US" dirty="0"/>
+          </a:p>
+        </p:txBody>
+      </p:sp>
+      <p:sp>
+        <p:nvSpPr>
+          <p:cNvPr id="4" name="Slide Number Placeholder 3"/>
+          <p:cNvSpPr>
+            <a:spLocks noGrp="1"/>
+          </p:cNvSpPr>
+          <p:nvPr>
+            <p:ph type="sldNum" sz="quarter" idx="10"/>
+          </p:nvPr>
+        </p:nvSpPr>
+        <p:spPr/>
+        <p:txBody>
+          <a:bodyPr/>
+          <a:lstStyle/>
+          <a:p>
+            <a:fld id="{21AA2E6D-2942-1149-8D1D-2F8629D719D8}" type="slidenum">
+              <a:rPr lang="en-US" smtClean="0"/>
+              <a:t>7</a:t>
+            </a:fld>
+            <a:endParaRPr lang="en-US"/>
+          </a:p>
+        </p:txBody>
+      </p:sp>
+    </p:spTree>
+    <p:extLst>
+      <p:ext uri="{BB962C8B-B14F-4D97-AF65-F5344CB8AC3E}">
+        <p14:creationId xmlns:p14="http://schemas.microsoft.com/office/powerpoint/2010/main" val="994609568"/>
+      </p:ext>
+    </p:extLst>
+  </p:cSld>
+  <p:clrMapOvr>
+    <a:masterClrMapping/>
+  </p:clrMapOvr>
+</p:notes>
+</file>
+
+<file path=ppt/notesSlides/notesSlide5.xml><?xml version="1.0" encoding="utf-8"?>
 <p:notes xmlns:a="http://schemas.openxmlformats.org/drawingml/2006/main" xmlns:r="http://schemas.openxmlformats.org/officeDocument/2006/relationships" xmlns:p="http://schemas.openxmlformats.org/presentationml/2006/main">
   <p:cSld>
     <p:spTree>
@@ -3646,9 +3730,54 @@
           <a:p>
             <a:pPr lvl="1"/>
             <a:r>
-              <a:rPr lang="en-US" altLang="zh-CN" dirty="0"/>
-              <a:t>font</a:t>
-            </a:r>
+              <a:rPr lang="en-US" altLang="zh-CN" dirty="0" smtClean="0"/>
+              <a:t>f</a:t>
+            </a:r>
+            <a:r>
+              <a:rPr lang="en-US" altLang="zh-CN" dirty="0" smtClean="0"/>
+              <a:t>ont</a:t>
+            </a:r>
+            <a:r>
+              <a:rPr lang="en-US" altLang="zh-CN" dirty="0" smtClean="0"/>
+              <a:t>(</a:t>
+            </a:r>
+            <a:r>
+              <a:rPr lang="en-US" sz="2000" i="1" dirty="0" smtClean="0"/>
+              <a:t>font-style, font-variant, font-weight, </a:t>
+            </a:r>
+            <a:r>
+              <a:rPr lang="en-US" sz="2000" i="1" dirty="0"/>
+              <a:t>font-size / </a:t>
+            </a:r>
+            <a:r>
+              <a:rPr lang="en-US" sz="2000" i="1" dirty="0" smtClean="0"/>
+              <a:t>line-height, font-family, </a:t>
+            </a:r>
+            <a:r>
+              <a:rPr lang="en-US" sz="2000" i="1" dirty="0" smtClean="0">
+                <a:solidFill>
+                  <a:schemeClr val="accent4">
+                    <a:lumMod val="75000"/>
+                  </a:schemeClr>
+                </a:solidFill>
+              </a:rPr>
+              <a:t>caption, icon, menu, message-box, small-caption, </a:t>
+            </a:r>
+            <a:r>
+              <a:rPr lang="en-US" sz="2000" i="1" dirty="0">
+                <a:solidFill>
+                  <a:schemeClr val="accent4">
+                    <a:lumMod val="75000"/>
+                  </a:schemeClr>
+                </a:solidFill>
+              </a:rPr>
+              <a:t>status-bar</a:t>
+            </a:r>
+            <a:r>
+              <a:rPr lang="en-US" altLang="zh-CN" dirty="0" smtClean="0"/>
+              <a:t>)</a:t>
+            </a:r>
+            <a:endParaRPr lang="en-US" altLang="zh-CN" dirty="0"/>
           </a:p>
           <a:p>
             <a:pPr lvl="1"/>
@@ -3656,20 +3785,53 @@
               <a:rPr lang="en-US" altLang="zh-CN" dirty="0" err="1"/>
               <a:t>textAlign</a:t>
             </a:r>
+            <a:r>
+              <a:rPr lang="en-US" altLang="zh-CN" dirty="0"/>
+              <a:t>(</a:t>
+            </a:r>
+            <a:r>
+              <a:rPr lang="en-US" altLang="zh-CN" sz="2000" i="1" dirty="0" err="1"/>
+              <a:t>center|end|left|right|start</a:t>
+            </a:r>
+            <a:r>
+              <a:rPr lang="en-US" altLang="zh-CN" dirty="0" smtClean="0"/>
+              <a:t>)</a:t>
+            </a:r>
+          </a:p>
+          <a:p>
+            <a:pPr lvl="2"/>
+            <a:r>
+              <a:rPr lang="en-US" altLang="zh-CN" dirty="0" smtClean="0"/>
+              <a:t>direction(</a:t>
+            </a:r>
+            <a:r>
+              <a:rPr lang="zh-CN" altLang="en-US" dirty="0" smtClean="0"/>
+              <a:t>实验方法，影响此属性</a:t>
+            </a:r>
+            <a:r>
+              <a:rPr lang="en-US" altLang="zh-CN" dirty="0" smtClean="0"/>
+              <a:t>)</a:t>
+            </a:r>
             <a:endParaRPr lang="en-US" altLang="zh-CN" dirty="0"/>
           </a:p>
           <a:p>
             <a:pPr lvl="1"/>
             <a:r>
-              <a:rPr lang="en-US" altLang="zh-CN" dirty="0" err="1"/>
+              <a:rPr lang="en-US" altLang="zh-CN" dirty="0" err="1" smtClean="0"/>
               <a:t>textBaseline</a:t>
             </a:r>
-            <a:endParaRPr lang="en-US" altLang="zh-CN" dirty="0"/>
-          </a:p>
-          <a:p>
-            <a:endParaRPr lang="en-US" altLang="zh-CN" dirty="0"/>
-          </a:p>
-          <a:p>
+            <a:r>
+              <a:rPr lang="en-US" altLang="zh-CN" dirty="0" smtClean="0"/>
+              <a:t>(</a:t>
+            </a:r>
+            <a:r>
+              <a:rPr lang="en-US" sz="2000" i="1" dirty="0" err="1" smtClean="0"/>
+              <a:t>alphabetic|top|hanging|middle|ideographic|bottom</a:t>
+            </a:r>
+            <a:r>
+              <a:rPr lang="en-US" altLang="zh-CN" dirty="0" smtClean="0"/>
+              <a:t>)</a:t>
+            </a:r>
             <a:endParaRPr lang="en-US" altLang="zh-CN" dirty="0"/>
           </a:p>
           <a:p>
@@ -5015,7 +5177,7 @@
           <p:cNvPr id="2" name="标题 1">
             <a:extLst>
               <a:ext uri="{FF2B5EF4-FFF2-40B4-BE49-F238E27FC236}">
-                <a16:creationId xmlns:a16="http://schemas.microsoft.com/office/drawing/2014/main" id="{6C63DF92-CEDE-4380-92B5-BCE05BFD5135}"/>
+                <a16:creationId xmlns:a16="http://schemas.microsoft.com/office/drawing/2014/main" xmlns="" id="{6C63DF92-CEDE-4380-92B5-BCE05BFD5135}"/>
               </a:ext>
             </a:extLst>
           </p:cNvPr>
@@ -5044,7 +5206,7 @@
           <p:cNvPr id="3" name="文本占位符 2">
             <a:extLst>
               <a:ext uri="{FF2B5EF4-FFF2-40B4-BE49-F238E27FC236}">
-                <a16:creationId xmlns:a16="http://schemas.microsoft.com/office/drawing/2014/main" id="{7FC65033-908F-4791-A8C0-1A0BB602DFDA}"/>
+                <a16:creationId xmlns:a16="http://schemas.microsoft.com/office/drawing/2014/main" xmlns="" id="{7FC65033-908F-4791-A8C0-1A0BB602DFDA}"/>
               </a:ext>
             </a:extLst>
           </p:cNvPr>
@@ -5077,7 +5239,7 @@
           <p:cNvPr id="4" name="弧形 3">
             <a:extLst>
               <a:ext uri="{FF2B5EF4-FFF2-40B4-BE49-F238E27FC236}">
-                <a16:creationId xmlns:a16="http://schemas.microsoft.com/office/drawing/2014/main" id="{CDEF0C68-B64B-466E-8D7E-901DBE257FAF}"/>
+                <a16:creationId xmlns:a16="http://schemas.microsoft.com/office/drawing/2014/main" xmlns="" id="{CDEF0C68-B64B-466E-8D7E-901DBE257FAF}"/>
               </a:ext>
             </a:extLst>
           </p:cNvPr>
@@ -5121,7 +5283,7 @@
           <p:cNvPr id="6" name="直接连接符 5">
             <a:extLst>
               <a:ext uri="{FF2B5EF4-FFF2-40B4-BE49-F238E27FC236}">
-                <a16:creationId xmlns:a16="http://schemas.microsoft.com/office/drawing/2014/main" id="{8F575DF3-9F6A-4669-AEFC-2C189FDC6B46}"/>
+                <a16:creationId xmlns:a16="http://schemas.microsoft.com/office/drawing/2014/main" xmlns="" id="{8F575DF3-9F6A-4669-AEFC-2C189FDC6B46}"/>
               </a:ext>
             </a:extLst>
           </p:cNvPr>
@@ -5159,7 +5321,7 @@
           <p:cNvPr id="8" name="直接连接符 7">
             <a:extLst>
               <a:ext uri="{FF2B5EF4-FFF2-40B4-BE49-F238E27FC236}">
-                <a16:creationId xmlns:a16="http://schemas.microsoft.com/office/drawing/2014/main" id="{AB30833A-A26E-40EF-A0A8-CB71DC43794E}"/>
+                <a16:creationId xmlns:a16="http://schemas.microsoft.com/office/drawing/2014/main" xmlns="" id="{AB30833A-A26E-40EF-A0A8-CB71DC43794E}"/>
               </a:ext>
             </a:extLst>
           </p:cNvPr>
@@ -5197,7 +5359,7 @@
           <p:cNvPr id="10" name="直接连接符 9">
             <a:extLst>
               <a:ext uri="{FF2B5EF4-FFF2-40B4-BE49-F238E27FC236}">
-                <a16:creationId xmlns:a16="http://schemas.microsoft.com/office/drawing/2014/main" id="{E32D1960-FE90-4C3D-94FF-32F2AE40F6BD}"/>
+                <a16:creationId xmlns:a16="http://schemas.microsoft.com/office/drawing/2014/main" xmlns="" id="{E32D1960-FE90-4C3D-94FF-32F2AE40F6BD}"/>
               </a:ext>
             </a:extLst>
           </p:cNvPr>
@@ -5233,7 +5395,7 @@
           <p:cNvPr id="12" name="直接连接符 11">
             <a:extLst>
               <a:ext uri="{FF2B5EF4-FFF2-40B4-BE49-F238E27FC236}">
-                <a16:creationId xmlns:a16="http://schemas.microsoft.com/office/drawing/2014/main" id="{4BD3A93B-427C-4041-BAE3-9AA91E263B65}"/>
+                <a16:creationId xmlns:a16="http://schemas.microsoft.com/office/drawing/2014/main" xmlns="" id="{4BD3A93B-427C-4041-BAE3-9AA91E263B65}"/>
               </a:ext>
             </a:extLst>
           </p:cNvPr>
@@ -5271,7 +5433,7 @@
           <p:cNvPr id="13" name="文本框 12">
             <a:extLst>
               <a:ext uri="{FF2B5EF4-FFF2-40B4-BE49-F238E27FC236}">
-                <a16:creationId xmlns:a16="http://schemas.microsoft.com/office/drawing/2014/main" id="{CFB39EFA-59DB-41B3-BC86-1C39BE42E2A4}"/>
+                <a16:creationId xmlns:a16="http://schemas.microsoft.com/office/drawing/2014/main" xmlns="" id="{CFB39EFA-59DB-41B3-BC86-1C39BE42E2A4}"/>
               </a:ext>
             </a:extLst>
           </p:cNvPr>
@@ -5307,7 +5469,7 @@
           <p:cNvPr id="15" name="直接连接符 14">
             <a:extLst>
               <a:ext uri="{FF2B5EF4-FFF2-40B4-BE49-F238E27FC236}">
-                <a16:creationId xmlns:a16="http://schemas.microsoft.com/office/drawing/2014/main" id="{AB81F334-537F-419A-8ABA-143424EEDB64}"/>
+                <a16:creationId xmlns:a16="http://schemas.microsoft.com/office/drawing/2014/main" xmlns="" id="{AB81F334-537F-419A-8ABA-143424EEDB64}"/>
               </a:ext>
             </a:extLst>
           </p:cNvPr>
@@ -5345,7 +5507,7 @@
           <p:cNvPr id="16" name="文本框 15">
             <a:extLst>
               <a:ext uri="{FF2B5EF4-FFF2-40B4-BE49-F238E27FC236}">
-                <a16:creationId xmlns:a16="http://schemas.microsoft.com/office/drawing/2014/main" id="{341879A2-7A3A-4CB0-BBB0-5E0ACD99F0D2}"/>
+                <a16:creationId xmlns:a16="http://schemas.microsoft.com/office/drawing/2014/main" xmlns="" id="{341879A2-7A3A-4CB0-BBB0-5E0ACD99F0D2}"/>
               </a:ext>
             </a:extLst>
           </p:cNvPr>
@@ -5381,7 +5543,7 @@
           <p:cNvPr id="17" name="文本框 16">
             <a:extLst>
               <a:ext uri="{FF2B5EF4-FFF2-40B4-BE49-F238E27FC236}">
-                <a16:creationId xmlns:a16="http://schemas.microsoft.com/office/drawing/2014/main" id="{282B3A65-F5AF-402F-A348-8D5EF77573C1}"/>
+                <a16:creationId xmlns:a16="http://schemas.microsoft.com/office/drawing/2014/main" xmlns="" id="{282B3A65-F5AF-402F-A348-8D5EF77573C1}"/>
               </a:ext>
             </a:extLst>
           </p:cNvPr>
@@ -5837,7 +5999,7 @@
   <a:extraClrSchemeLst/>
   <a:extLst>
     <a:ext uri="{05A4C25C-085E-4340-85A3-A5531E510DB2}">
-      <thm15:themeFamily xmlns:thm15="http://schemas.microsoft.com/office/thememl/2012/main" name="Office Theme" id="{62F939B6-93AF-4DB8-9C6B-D6C7DFDC589F}" vid="{4A3C46E8-61CC-4603-A589-7422A47A8E4A}"/>
+      <thm15:themeFamily xmlns:thm15="http://schemas.microsoft.com/office/thememl/2012/main" xmlns="" name="Office Theme" id="{62F939B6-93AF-4DB8-9C6B-D6C7DFDC589F}" vid="{4A3C46E8-61CC-4603-A589-7422A47A8E4A}"/>
     </a:ext>
   </a:extLst>
 </a:theme>
@@ -6418,7 +6580,7 @@
   <a:extraClrSchemeLst/>
   <a:extLst>
     <a:ext uri="{05A4C25C-085E-4340-85A3-A5531E510DB2}">
-      <thm15:themeFamily xmlns:thm15="http://schemas.microsoft.com/office/thememl/2012/main" name="Office Theme" id="{62F939B6-93AF-4DB8-9C6B-D6C7DFDC589F}" vid="{4A3C46E8-61CC-4603-A589-7422A47A8E4A}"/>
+      <thm15:themeFamily xmlns:thm15="http://schemas.microsoft.com/office/thememl/2012/main" xmlns="" name="Office Theme" id="{62F939B6-93AF-4DB8-9C6B-D6C7DFDC589F}" vid="{4A3C46E8-61CC-4603-A589-7422A47A8E4A}"/>
     </a:ext>
   </a:extLst>
 </a:theme>

--- a/canvas.pptx
+++ b/canvas.pptx
@@ -143,7 +143,7 @@
       </p14:sectionLst>
     </p:ext>
     <p:ext uri="{EFAFB233-063F-42B5-8137-9DF3F51BA10A}">
-      <p15:sldGuideLst xmlns:p15="http://schemas.microsoft.com/office/powerpoint/2012/main" xmlns="">
+      <p15:sldGuideLst xmlns:p15="http://schemas.microsoft.com/office/powerpoint/2012/main">
         <p15:guide id="1" orient="horz" pos="2244">
           <p15:clr>
             <a:srgbClr val="A4A3A4"/>
@@ -172,7 +172,7 @@
       </p15:sldGuideLst>
     </p:ext>
     <p:ext uri="{2D200454-40CA-4A62-9FC3-DE9A4176ACB9}">
-      <p15:notesGuideLst xmlns:p15="http://schemas.microsoft.com/office/powerpoint/2012/main" xmlns="">
+      <p15:notesGuideLst xmlns:p15="http://schemas.microsoft.com/office/powerpoint/2012/main">
         <p15:guide id="1" orient="horz" pos="2880">
           <p15:clr>
             <a:srgbClr val="A4A3A4"/>
@@ -355,7 +355,7 @@
           <a:p>
             <a:fld id="{C72D4D14-4E8D-46DA-8F96-E9E88845B984}" type="datetimeFigureOut">
               <a:rPr lang="zh-CN" altLang="en-US" smtClean="0"/>
-              <a:t>2018/7/30</a:t>
+              <a:t>2018/7/31</a:t>
             </a:fld>
             <a:endParaRPr lang="zh-CN" altLang="en-US"/>
           </a:p>
@@ -454,7 +454,7 @@
           <a:p>
             <a:fld id="{8A52B13F-C48F-7646-AC29-0F414B4ED11F}" type="datetimeFigureOut">
               <a:rPr lang="en-US" smtClean="0"/>
-              <a:t>7/30/2018</a:t>
+              <a:t>7/31/2018</a:t>
             </a:fld>
             <a:endParaRPr lang="en-US"/>
           </a:p>
@@ -3730,38 +3730,12 @@
           <a:p>
             <a:pPr lvl="1"/>
             <a:r>
-              <a:rPr lang="en-US" altLang="zh-CN" dirty="0" smtClean="0"/>
-              <a:t>f</a:t>
-            </a:r>
-            <a:r>
-              <a:rPr lang="en-US" altLang="zh-CN" dirty="0" smtClean="0"/>
-              <a:t>ont</a:t>
-            </a:r>
-            <a:r>
-              <a:rPr lang="en-US" altLang="zh-CN" dirty="0" smtClean="0"/>
-              <a:t>(</a:t>
-            </a:r>
-            <a:r>
-              <a:rPr lang="en-US" sz="2000" i="1" dirty="0" smtClean="0"/>
-              <a:t>font-style, font-variant, font-weight, </a:t>
+              <a:rPr lang="en-US" altLang="zh-CN" dirty="0"/>
+              <a:t>font(</a:t>
             </a:r>
             <a:r>
               <a:rPr lang="en-US" sz="2000" i="1" dirty="0"/>
-              <a:t>font-size / </a:t>
-            </a:r>
-            <a:r>
-              <a:rPr lang="en-US" sz="2000" i="1" dirty="0" smtClean="0"/>
-              <a:t>line-height, font-family, </a:t>
-            </a:r>
-            <a:r>
-              <a:rPr lang="en-US" sz="2000" i="1" dirty="0" smtClean="0">
-                <a:solidFill>
-                  <a:schemeClr val="accent4">
-                    <a:lumMod val="75000"/>
-                  </a:schemeClr>
-                </a:solidFill>
-              </a:rPr>
-              <a:t>caption, icon, menu, message-box, small-caption, </a:t>
+              <a:t>font-style, font-variant, font-weight, font-size / line-height, font-family, </a:t>
             </a:r>
             <a:r>
               <a:rPr lang="en-US" sz="2000" i="1" dirty="0">
@@ -3771,13 +3745,12 @@
                   </a:schemeClr>
                 </a:solidFill>
               </a:rPr>
-              <a:t>status-bar</a:t>
-            </a:r>
-            <a:r>
-              <a:rPr lang="en-US" altLang="zh-CN" dirty="0" smtClean="0"/>
+              <a:t>caption, icon, menu, message-box, small-caption, status-bar</a:t>
+            </a:r>
+            <a:r>
+              <a:rPr lang="en-US" altLang="zh-CN" dirty="0"/>
               <a:t>)</a:t>
             </a:r>
-            <a:endParaRPr lang="en-US" altLang="zh-CN" dirty="0"/>
           </a:p>
           <a:p>
             <a:pPr lvl="1"/>
@@ -3794,45 +3767,43 @@
               <a:t>center|end|left|right|start</a:t>
             </a:r>
             <a:r>
-              <a:rPr lang="en-US" altLang="zh-CN" dirty="0" smtClean="0"/>
+              <a:rPr lang="en-US" altLang="zh-CN" dirty="0"/>
               <a:t>)</a:t>
             </a:r>
           </a:p>
           <a:p>
             <a:pPr lvl="2"/>
             <a:r>
-              <a:rPr lang="en-US" altLang="zh-CN" dirty="0" smtClean="0"/>
+              <a:rPr lang="en-US" altLang="zh-CN" dirty="0"/>
               <a:t>direction(</a:t>
             </a:r>
             <a:r>
-              <a:rPr lang="zh-CN" altLang="en-US" dirty="0" smtClean="0"/>
+              <a:rPr lang="zh-CN" altLang="en-US" dirty="0"/>
               <a:t>实验方法，影响此属性</a:t>
             </a:r>
             <a:r>
-              <a:rPr lang="en-US" altLang="zh-CN" dirty="0" smtClean="0"/>
+              <a:rPr lang="en-US" altLang="zh-CN" dirty="0"/>
               <a:t>)</a:t>
             </a:r>
-            <a:endParaRPr lang="en-US" altLang="zh-CN" dirty="0"/>
           </a:p>
           <a:p>
             <a:pPr lvl="1"/>
             <a:r>
-              <a:rPr lang="en-US" altLang="zh-CN" dirty="0" err="1" smtClean="0"/>
+              <a:rPr lang="en-US" altLang="zh-CN" dirty="0" err="1"/>
               <a:t>textBaseline</a:t>
             </a:r>
             <a:r>
-              <a:rPr lang="en-US" altLang="zh-CN" dirty="0" smtClean="0"/>
+              <a:rPr lang="en-US" altLang="zh-CN" dirty="0"/>
               <a:t>(</a:t>
             </a:r>
             <a:r>
-              <a:rPr lang="en-US" sz="2000" i="1" dirty="0" err="1" smtClean="0"/>
+              <a:rPr lang="en-US" sz="2000" i="1" dirty="0" err="1"/>
               <a:t>alphabetic|top|hanging|middle|ideographic|bottom</a:t>
             </a:r>
             <a:r>
-              <a:rPr lang="en-US" altLang="zh-CN" dirty="0" smtClean="0"/>
+              <a:rPr lang="en-US" altLang="zh-CN" dirty="0"/>
               <a:t>)</a:t>
             </a:r>
-            <a:endParaRPr lang="en-US" altLang="zh-CN" dirty="0"/>
           </a:p>
           <a:p>
             <a:endParaRPr lang="en-US" altLang="zh-CN" dirty="0"/>
@@ -5177,7 +5148,7 @@
           <p:cNvPr id="2" name="标题 1">
             <a:extLst>
               <a:ext uri="{FF2B5EF4-FFF2-40B4-BE49-F238E27FC236}">
-                <a16:creationId xmlns:a16="http://schemas.microsoft.com/office/drawing/2014/main" xmlns="" id="{6C63DF92-CEDE-4380-92B5-BCE05BFD5135}"/>
+                <a16:creationId xmlns:a16="http://schemas.microsoft.com/office/drawing/2014/main" id="{6C63DF92-CEDE-4380-92B5-BCE05BFD5135}"/>
               </a:ext>
             </a:extLst>
           </p:cNvPr>
@@ -5206,7 +5177,7 @@
           <p:cNvPr id="3" name="文本占位符 2">
             <a:extLst>
               <a:ext uri="{FF2B5EF4-FFF2-40B4-BE49-F238E27FC236}">
-                <a16:creationId xmlns:a16="http://schemas.microsoft.com/office/drawing/2014/main" xmlns="" id="{7FC65033-908F-4791-A8C0-1A0BB602DFDA}"/>
+                <a16:creationId xmlns:a16="http://schemas.microsoft.com/office/drawing/2014/main" id="{7FC65033-908F-4791-A8C0-1A0BB602DFDA}"/>
               </a:ext>
             </a:extLst>
           </p:cNvPr>
@@ -5239,7 +5210,7 @@
           <p:cNvPr id="4" name="弧形 3">
             <a:extLst>
               <a:ext uri="{FF2B5EF4-FFF2-40B4-BE49-F238E27FC236}">
-                <a16:creationId xmlns:a16="http://schemas.microsoft.com/office/drawing/2014/main" xmlns="" id="{CDEF0C68-B64B-466E-8D7E-901DBE257FAF}"/>
+                <a16:creationId xmlns:a16="http://schemas.microsoft.com/office/drawing/2014/main" id="{CDEF0C68-B64B-466E-8D7E-901DBE257FAF}"/>
               </a:ext>
             </a:extLst>
           </p:cNvPr>
@@ -5283,7 +5254,7 @@
           <p:cNvPr id="6" name="直接连接符 5">
             <a:extLst>
               <a:ext uri="{FF2B5EF4-FFF2-40B4-BE49-F238E27FC236}">
-                <a16:creationId xmlns:a16="http://schemas.microsoft.com/office/drawing/2014/main" xmlns="" id="{8F575DF3-9F6A-4669-AEFC-2C189FDC6B46}"/>
+                <a16:creationId xmlns:a16="http://schemas.microsoft.com/office/drawing/2014/main" id="{8F575DF3-9F6A-4669-AEFC-2C189FDC6B46}"/>
               </a:ext>
             </a:extLst>
           </p:cNvPr>
@@ -5321,7 +5292,7 @@
           <p:cNvPr id="8" name="直接连接符 7">
             <a:extLst>
               <a:ext uri="{FF2B5EF4-FFF2-40B4-BE49-F238E27FC236}">
-                <a16:creationId xmlns:a16="http://schemas.microsoft.com/office/drawing/2014/main" xmlns="" id="{AB30833A-A26E-40EF-A0A8-CB71DC43794E}"/>
+                <a16:creationId xmlns:a16="http://schemas.microsoft.com/office/drawing/2014/main" id="{AB30833A-A26E-40EF-A0A8-CB71DC43794E}"/>
               </a:ext>
             </a:extLst>
           </p:cNvPr>
@@ -5359,7 +5330,7 @@
           <p:cNvPr id="10" name="直接连接符 9">
             <a:extLst>
               <a:ext uri="{FF2B5EF4-FFF2-40B4-BE49-F238E27FC236}">
-                <a16:creationId xmlns:a16="http://schemas.microsoft.com/office/drawing/2014/main" xmlns="" id="{E32D1960-FE90-4C3D-94FF-32F2AE40F6BD}"/>
+                <a16:creationId xmlns:a16="http://schemas.microsoft.com/office/drawing/2014/main" id="{E32D1960-FE90-4C3D-94FF-32F2AE40F6BD}"/>
               </a:ext>
             </a:extLst>
           </p:cNvPr>
@@ -5395,7 +5366,7 @@
           <p:cNvPr id="12" name="直接连接符 11">
             <a:extLst>
               <a:ext uri="{FF2B5EF4-FFF2-40B4-BE49-F238E27FC236}">
-                <a16:creationId xmlns:a16="http://schemas.microsoft.com/office/drawing/2014/main" xmlns="" id="{4BD3A93B-427C-4041-BAE3-9AA91E263B65}"/>
+                <a16:creationId xmlns:a16="http://schemas.microsoft.com/office/drawing/2014/main" id="{4BD3A93B-427C-4041-BAE3-9AA91E263B65}"/>
               </a:ext>
             </a:extLst>
           </p:cNvPr>
@@ -5433,7 +5404,7 @@
           <p:cNvPr id="13" name="文本框 12">
             <a:extLst>
               <a:ext uri="{FF2B5EF4-FFF2-40B4-BE49-F238E27FC236}">
-                <a16:creationId xmlns:a16="http://schemas.microsoft.com/office/drawing/2014/main" xmlns="" id="{CFB39EFA-59DB-41B3-BC86-1C39BE42E2A4}"/>
+                <a16:creationId xmlns:a16="http://schemas.microsoft.com/office/drawing/2014/main" id="{CFB39EFA-59DB-41B3-BC86-1C39BE42E2A4}"/>
               </a:ext>
             </a:extLst>
           </p:cNvPr>
@@ -5469,7 +5440,7 @@
           <p:cNvPr id="15" name="直接连接符 14">
             <a:extLst>
               <a:ext uri="{FF2B5EF4-FFF2-40B4-BE49-F238E27FC236}">
-                <a16:creationId xmlns:a16="http://schemas.microsoft.com/office/drawing/2014/main" xmlns="" id="{AB81F334-537F-419A-8ABA-143424EEDB64}"/>
+                <a16:creationId xmlns:a16="http://schemas.microsoft.com/office/drawing/2014/main" id="{AB81F334-537F-419A-8ABA-143424EEDB64}"/>
               </a:ext>
             </a:extLst>
           </p:cNvPr>
@@ -5507,7 +5478,7 @@
           <p:cNvPr id="16" name="文本框 15">
             <a:extLst>
               <a:ext uri="{FF2B5EF4-FFF2-40B4-BE49-F238E27FC236}">
-                <a16:creationId xmlns:a16="http://schemas.microsoft.com/office/drawing/2014/main" xmlns="" id="{341879A2-7A3A-4CB0-BBB0-5E0ACD99F0D2}"/>
+                <a16:creationId xmlns:a16="http://schemas.microsoft.com/office/drawing/2014/main" id="{341879A2-7A3A-4CB0-BBB0-5E0ACD99F0D2}"/>
               </a:ext>
             </a:extLst>
           </p:cNvPr>
@@ -5543,7 +5514,7 @@
           <p:cNvPr id="17" name="文本框 16">
             <a:extLst>
               <a:ext uri="{FF2B5EF4-FFF2-40B4-BE49-F238E27FC236}">
-                <a16:creationId xmlns:a16="http://schemas.microsoft.com/office/drawing/2014/main" xmlns="" id="{282B3A65-F5AF-402F-A348-8D5EF77573C1}"/>
+                <a16:creationId xmlns:a16="http://schemas.microsoft.com/office/drawing/2014/main" id="{282B3A65-F5AF-402F-A348-8D5EF77573C1}"/>
               </a:ext>
             </a:extLst>
           </p:cNvPr>
@@ -5643,6 +5614,14 @@
           <a:lstStyle/>
           <a:p>
             <a:r>
+              <a:rPr lang="zh-CN" altLang="en-US" dirty="0"/>
+              <a:t>属性</a:t>
+            </a:r>
+            <a:endParaRPr lang="en-US" dirty="0"/>
+          </a:p>
+          <a:p>
+            <a:pPr lvl="1"/>
+            <a:r>
               <a:rPr lang="en-US" dirty="0" err="1"/>
               <a:t>fillStyle</a:t>
             </a:r>
@@ -5652,6 +5631,7 @@
             </a:r>
           </a:p>
           <a:p>
+            <a:pPr lvl="1"/>
             <a:r>
               <a:rPr lang="en-US" dirty="0" err="1"/>
               <a:t>strokeStyle</a:t>
@@ -5659,6 +5639,7 @@
             <a:endParaRPr lang="en-US" dirty="0"/>
           </a:p>
           <a:p>
+            <a:pPr lvl="1"/>
             <a:r>
               <a:rPr lang="en-US" dirty="0" err="1"/>
               <a:t>shadowColor</a:t>
@@ -5666,13 +5647,26 @@
             <a:endParaRPr lang="en-US" dirty="0"/>
           </a:p>
           <a:p>
+            <a:pPr lvl="1"/>
             <a:r>
               <a:rPr lang="en-US" altLang="zh-CN" dirty="0" err="1"/>
               <a:t>shadowBlur</a:t>
             </a:r>
-            <a:endParaRPr lang="en-US" altLang="zh-CN" dirty="0"/>
-          </a:p>
-          <a:p>
+            <a:r>
+              <a:rPr lang="en-US" altLang="zh-CN" dirty="0"/>
+              <a:t>(</a:t>
+            </a:r>
+            <a:r>
+              <a:rPr lang="en-US" altLang="zh-CN" sz="1600" i="1" dirty="0"/>
+              <a:t>number</a:t>
+            </a:r>
+            <a:r>
+              <a:rPr lang="en-US" altLang="zh-CN" dirty="0"/>
+              <a:t>)</a:t>
+            </a:r>
+          </a:p>
+          <a:p>
+            <a:pPr lvl="1"/>
             <a:r>
               <a:rPr lang="en-US" dirty="0" err="1"/>
               <a:t>shadowOffsetX</a:t>
@@ -5680,13 +5674,128 @@
             <a:endParaRPr lang="en-US" dirty="0"/>
           </a:p>
           <a:p>
+            <a:pPr lvl="1"/>
             <a:r>
               <a:rPr lang="en-US" dirty="0" err="1"/>
               <a:t>shadowOffsetY</a:t>
             </a:r>
             <a:r>
               <a:rPr lang="en-US" dirty="0"/>
-              <a:t>		</a:t>
+              <a:t>	</a:t>
+            </a:r>
+          </a:p>
+          <a:p>
+            <a:endParaRPr lang="en-US" dirty="0"/>
+          </a:p>
+          <a:p>
+            <a:pPr marL="0" indent="0">
+              <a:buNone/>
+            </a:pPr>
+            <a:endParaRPr lang="en-US" dirty="0"/>
+          </a:p>
+          <a:p>
+            <a:pPr marL="0" indent="0">
+              <a:buNone/>
+            </a:pPr>
+            <a:endParaRPr lang="en-US" dirty="0"/>
+          </a:p>
+          <a:p>
+            <a:r>
+              <a:rPr lang="zh-CN" altLang="en-US" dirty="0"/>
+              <a:t>方法</a:t>
+            </a:r>
+            <a:endParaRPr lang="en-US" altLang="zh-CN" dirty="0"/>
+          </a:p>
+          <a:p>
+            <a:pPr lvl="1"/>
+            <a:r>
+              <a:rPr lang="en-US" dirty="0" err="1"/>
+              <a:t>createLinearGradient</a:t>
+            </a:r>
+            <a:r>
+              <a:rPr lang="en-US" dirty="0"/>
+              <a:t>(</a:t>
+            </a:r>
+            <a:r>
+              <a:rPr lang="en-US" sz="2000" i="1" dirty="0"/>
+              <a:t>x1,</a:t>
+            </a:r>
+            <a:r>
+              <a:rPr lang="zh-CN" altLang="en-US" sz="2000" i="1" dirty="0"/>
+              <a:t> </a:t>
+            </a:r>
+            <a:r>
+              <a:rPr lang="en-US" altLang="zh-CN" sz="2000" i="1" dirty="0"/>
+              <a:t>y1, x2, y2</a:t>
+            </a:r>
+            <a:r>
+              <a:rPr lang="en-US" dirty="0"/>
+              <a:t>)</a:t>
+            </a:r>
+          </a:p>
+          <a:p>
+            <a:pPr lvl="1"/>
+            <a:r>
+              <a:rPr lang="en-US" dirty="0" err="1"/>
+              <a:t>createPattern</a:t>
+            </a:r>
+            <a:r>
+              <a:rPr lang="en-US" dirty="0"/>
+              <a:t>(</a:t>
+            </a:r>
+            <a:r>
+              <a:rPr lang="en-US" sz="2000" i="1" dirty="0"/>
+              <a:t>image,"</a:t>
+            </a:r>
+            <a:r>
+              <a:rPr lang="en-US" sz="2000" i="1" dirty="0" err="1"/>
+              <a:t>repeat|repeat-x|repeat-y|no-repeat</a:t>
+            </a:r>
+            <a:r>
+              <a:rPr lang="en-US" sz="2000" i="1" dirty="0"/>
+              <a:t>"</a:t>
+            </a:r>
+            <a:r>
+              <a:rPr lang="en-US" dirty="0"/>
+              <a:t>)</a:t>
+            </a:r>
+          </a:p>
+          <a:p>
+            <a:pPr lvl="1"/>
+            <a:r>
+              <a:rPr lang="en-US" dirty="0" err="1"/>
+              <a:t>createRadialGradient</a:t>
+            </a:r>
+            <a:r>
+              <a:rPr lang="en-US" dirty="0"/>
+              <a:t>(</a:t>
+            </a:r>
+            <a:r>
+              <a:rPr lang="es-ES" sz="2000" i="1" dirty="0"/>
+              <a:t>x1,y1,r1,x2,y2,r2</a:t>
+            </a:r>
+            <a:r>
+              <a:rPr lang="en-US" dirty="0"/>
+              <a:t>)</a:t>
+            </a:r>
+          </a:p>
+          <a:p>
+            <a:pPr lvl="1"/>
+            <a:r>
+              <a:rPr lang="en-US" dirty="0" err="1"/>
+              <a:t>addColorStop</a:t>
+            </a:r>
+            <a:r>
+              <a:rPr lang="en-US" dirty="0"/>
+              <a:t>(</a:t>
+            </a:r>
+            <a:r>
+              <a:rPr lang="en-US" sz="2000" i="1" dirty="0"/>
+              <a:t>0-1, color</a:t>
+            </a:r>
+            <a:r>
+              <a:rPr lang="en-US" dirty="0"/>
+              <a:t>)	</a:t>
             </a:r>
           </a:p>
         </p:txBody>
@@ -5999,7 +6108,7 @@
   <a:extraClrSchemeLst/>
   <a:extLst>
     <a:ext uri="{05A4C25C-085E-4340-85A3-A5531E510DB2}">
-      <thm15:themeFamily xmlns:thm15="http://schemas.microsoft.com/office/thememl/2012/main" xmlns="" name="Office Theme" id="{62F939B6-93AF-4DB8-9C6B-D6C7DFDC589F}" vid="{4A3C46E8-61CC-4603-A589-7422A47A8E4A}"/>
+      <thm15:themeFamily xmlns:thm15="http://schemas.microsoft.com/office/thememl/2012/main" name="Office Theme" id="{62F939B6-93AF-4DB8-9C6B-D6C7DFDC589F}" vid="{4A3C46E8-61CC-4603-A589-7422A47A8E4A}"/>
     </a:ext>
   </a:extLst>
 </a:theme>
@@ -6580,7 +6689,7 @@
   <a:extraClrSchemeLst/>
   <a:extLst>
     <a:ext uri="{05A4C25C-085E-4340-85A3-A5531E510DB2}">
-      <thm15:themeFamily xmlns:thm15="http://schemas.microsoft.com/office/thememl/2012/main" xmlns="" name="Office Theme" id="{62F939B6-93AF-4DB8-9C6B-D6C7DFDC589F}" vid="{4A3C46E8-61CC-4603-A589-7422A47A8E4A}"/>
+      <thm15:themeFamily xmlns:thm15="http://schemas.microsoft.com/office/thememl/2012/main" name="Office Theme" id="{62F939B6-93AF-4DB8-9C6B-D6C7DFDC589F}" vid="{4A3C46E8-61CC-4603-A589-7422A47A8E4A}"/>
     </a:ext>
   </a:extLst>
 </a:theme>

--- a/canvas.pptx
+++ b/canvas.pptx
@@ -5,10 +5,10 @@
     <p:sldMasterId id="2147483657" r:id="rId1"/>
   </p:sldMasterIdLst>
   <p:notesMasterIdLst>
-    <p:notesMasterId r:id="rId14"/>
+    <p:notesMasterId r:id="rId15"/>
   </p:notesMasterIdLst>
   <p:handoutMasterIdLst>
-    <p:handoutMasterId r:id="rId15"/>
+    <p:handoutMasterId r:id="rId16"/>
   </p:handoutMasterIdLst>
   <p:sldIdLst>
     <p:sldId id="1132" r:id="rId2"/>
@@ -21,8 +21,9 @@
     <p:sldId id="1201" r:id="rId9"/>
     <p:sldId id="1198" r:id="rId10"/>
     <p:sldId id="1199" r:id="rId11"/>
-    <p:sldId id="1200" r:id="rId12"/>
-    <p:sldId id="1161" r:id="rId13"/>
+    <p:sldId id="1202" r:id="rId12"/>
+    <p:sldId id="1200" r:id="rId13"/>
+    <p:sldId id="1161" r:id="rId14"/>
   </p:sldIdLst>
   <p:sldSz cx="12192000" cy="6858000"/>
   <p:notesSz cx="7010400" cy="9296400"/>
@@ -136,6 +137,7 @@
             <p14:sldId id="1201"/>
             <p14:sldId id="1198"/>
             <p14:sldId id="1199"/>
+            <p14:sldId id="1202"/>
             <p14:sldId id="1200"/>
             <p14:sldId id="1161"/>
           </p14:sldIdLst>
@@ -143,7 +145,7 @@
       </p14:sectionLst>
     </p:ext>
     <p:ext uri="{EFAFB233-063F-42B5-8137-9DF3F51BA10A}">
-      <p15:sldGuideLst xmlns:p15="http://schemas.microsoft.com/office/powerpoint/2012/main">
+      <p15:sldGuideLst xmlns:p15="http://schemas.microsoft.com/office/powerpoint/2012/main" xmlns="">
         <p15:guide id="1" orient="horz" pos="2244">
           <p15:clr>
             <a:srgbClr val="A4A3A4"/>
@@ -172,7 +174,7 @@
       </p15:sldGuideLst>
     </p:ext>
     <p:ext uri="{2D200454-40CA-4A62-9FC3-DE9A4176ACB9}">
-      <p15:notesGuideLst xmlns:p15="http://schemas.microsoft.com/office/powerpoint/2012/main">
+      <p15:notesGuideLst xmlns:p15="http://schemas.microsoft.com/office/powerpoint/2012/main" xmlns="">
         <p15:guide id="1" orient="horz" pos="2880">
           <p15:clr>
             <a:srgbClr val="A4A3A4"/>
@@ -1127,7 +1129,7 @@
           <a:p>
             <a:fld id="{21AA2E6D-2942-1149-8D1D-2F8629D719D8}" type="slidenum">
               <a:rPr lang="en-US" smtClean="0"/>
-              <a:t>12</a:t>
+              <a:t>13</a:t>
             </a:fld>
             <a:endParaRPr lang="en-US"/>
           </a:p>
@@ -3958,6 +3960,125 @@
           <a:p>
             <a:r>
               <a:rPr lang="zh-CN" altLang="en-US" dirty="0"/>
+              <a:t>转换</a:t>
+            </a:r>
+            <a:endParaRPr lang="en-US" dirty="0"/>
+          </a:p>
+        </p:txBody>
+      </p:sp>
+      <p:sp>
+        <p:nvSpPr>
+          <p:cNvPr id="3" name="Text Placeholder 2"/>
+          <p:cNvSpPr>
+            <a:spLocks noGrp="1"/>
+          </p:cNvSpPr>
+          <p:nvPr>
+            <p:ph type="body" sz="quarter" idx="13"/>
+          </p:nvPr>
+        </p:nvSpPr>
+        <p:spPr/>
+        <p:txBody>
+          <a:bodyPr/>
+          <a:lstStyle/>
+          <a:p>
+            <a:r>
+              <a:rPr lang="en-US" dirty="0"/>
+              <a:t>scale</a:t>
+            </a:r>
+            <a:r>
+              <a:rPr lang="en-US" dirty="0" smtClean="0"/>
+              <a:t>()</a:t>
+            </a:r>
+          </a:p>
+          <a:p>
+            <a:r>
+              <a:rPr lang="en-US" dirty="0"/>
+              <a:t>rotate</a:t>
+            </a:r>
+            <a:r>
+              <a:rPr lang="en-US" dirty="0" smtClean="0"/>
+              <a:t>()</a:t>
+            </a:r>
+          </a:p>
+          <a:p>
+            <a:r>
+              <a:rPr lang="en-US" dirty="0"/>
+              <a:t>translate</a:t>
+            </a:r>
+            <a:r>
+              <a:rPr lang="en-US" dirty="0" smtClean="0"/>
+              <a:t>()</a:t>
+            </a:r>
+          </a:p>
+          <a:p>
+            <a:r>
+              <a:rPr lang="en-US" dirty="0"/>
+              <a:t>transform</a:t>
+            </a:r>
+            <a:r>
+              <a:rPr lang="en-US" dirty="0" smtClean="0"/>
+              <a:t>()</a:t>
+            </a:r>
+          </a:p>
+          <a:p>
+            <a:r>
+              <a:rPr lang="en-US" dirty="0" err="1"/>
+              <a:t>setTransform</a:t>
+            </a:r>
+            <a:r>
+              <a:rPr lang="en-US" dirty="0"/>
+              <a:t>()	</a:t>
+            </a:r>
+          </a:p>
+        </p:txBody>
+      </p:sp>
+    </p:spTree>
+    <p:extLst>
+      <p:ext uri="{BB962C8B-B14F-4D97-AF65-F5344CB8AC3E}">
+        <p14:creationId xmlns:p14="http://schemas.microsoft.com/office/powerpoint/2010/main" val="112289871"/>
+      </p:ext>
+    </p:extLst>
+  </p:cSld>
+  <p:clrMapOvr>
+    <a:masterClrMapping/>
+  </p:clrMapOvr>
+</p:sld>
+</file>
+
+<file path=ppt/slides/slide12.xml><?xml version="1.0" encoding="utf-8"?>
+<p:sld xmlns:a="http://schemas.openxmlformats.org/drawingml/2006/main" xmlns:r="http://schemas.openxmlformats.org/officeDocument/2006/relationships" xmlns:p="http://schemas.openxmlformats.org/presentationml/2006/main">
+  <p:cSld>
+    <p:spTree>
+      <p:nvGrpSpPr>
+        <p:cNvPr id="1" name=""/>
+        <p:cNvGrpSpPr/>
+        <p:nvPr/>
+      </p:nvGrpSpPr>
+      <p:grpSpPr>
+        <a:xfrm>
+          <a:off x="0" y="0"/>
+          <a:ext cx="0" cy="0"/>
+          <a:chOff x="0" y="0"/>
+          <a:chExt cx="0" cy="0"/>
+        </a:xfrm>
+      </p:grpSpPr>
+      <p:sp>
+        <p:nvSpPr>
+          <p:cNvPr id="2" name="Title 1"/>
+          <p:cNvSpPr>
+            <a:spLocks noGrp="1"/>
+          </p:cNvSpPr>
+          <p:nvPr>
+            <p:ph type="title"/>
+          </p:nvPr>
+        </p:nvSpPr>
+        <p:spPr/>
+        <p:txBody>
+          <a:bodyPr/>
+          <a:lstStyle/>
+          <a:p>
+            <a:r>
+              <a:rPr lang="zh-CN" altLang="en-US" dirty="0"/>
               <a:t>图像</a:t>
             </a:r>
             <a:endParaRPr lang="en-US" dirty="0"/>
@@ -4083,7 +4204,7 @@
 </p:sld>
 </file>
 
-<file path=ppt/slides/slide12.xml><?xml version="1.0" encoding="utf-8"?>
+<file path=ppt/slides/slide13.xml><?xml version="1.0" encoding="utf-8"?>
 <p:sld xmlns:a="http://schemas.openxmlformats.org/drawingml/2006/main" xmlns:r="http://schemas.openxmlformats.org/officeDocument/2006/relationships" xmlns:p="http://schemas.openxmlformats.org/presentationml/2006/main">
   <p:cSld>
     <p:bg>
@@ -4975,7 +5096,7 @@
         </p:nvSpPr>
         <p:spPr/>
         <p:txBody>
-          <a:bodyPr/>
+          <a:bodyPr numCol="2"/>
           <a:lstStyle/>
           <a:p>
             <a:r>
@@ -5045,13 +5166,46 @@
           </a:p>
           <a:p>
             <a:r>
-              <a:rPr lang="en-US" dirty="0" err="1"/>
+              <a:rPr lang="en-US" dirty="0" err="1" smtClean="0"/>
               <a:t>quadraticCurveTo</a:t>
             </a:r>
             <a:r>
-              <a:rPr lang="en-US" dirty="0"/>
-              <a:t>()</a:t>
-            </a:r>
+              <a:rPr lang="en-US" dirty="0" smtClean="0"/>
+              <a:t>(</a:t>
+            </a:r>
+            <a:r>
+              <a:rPr lang="en-US" sz="2000" i="1" dirty="0" err="1"/>
+              <a:t>cpx</a:t>
+            </a:r>
+            <a:r>
+              <a:rPr lang="en-US" sz="2000" dirty="0" err="1"/>
+              <a:t>,</a:t>
+            </a:r>
+            <a:r>
+              <a:rPr lang="en-US" sz="2000" i="1" dirty="0" err="1"/>
+              <a:t>cpy</a:t>
+            </a:r>
+            <a:r>
+              <a:rPr lang="en-US" sz="2000" dirty="0" err="1"/>
+              <a:t>,</a:t>
+            </a:r>
+            <a:r>
+              <a:rPr lang="en-US" sz="2000" i="1" dirty="0" err="1"/>
+              <a:t>x</a:t>
+            </a:r>
+            <a:r>
+              <a:rPr lang="en-US" sz="2000" dirty="0" err="1"/>
+              <a:t>,</a:t>
+            </a:r>
+            <a:r>
+              <a:rPr lang="en-US" sz="2000" i="1" dirty="0" err="1"/>
+              <a:t>y</a:t>
+            </a:r>
+            <a:r>
+              <a:rPr lang="en-US" dirty="0" smtClean="0"/>
+              <a:t>)</a:t>
+            </a:r>
+            <a:endParaRPr lang="en-US" dirty="0"/>
           </a:p>
           <a:p>
             <a:r>
@@ -5060,8 +5214,22 @@
             </a:r>
             <a:r>
               <a:rPr lang="en-US" dirty="0"/>
-              <a:t>()</a:t>
-            </a:r>
+              <a:t>(</a:t>
+            </a:r>
+            <a:r>
+              <a:rPr lang="en-US" sz="2000" i="1" dirty="0"/>
+              <a:t>cp1x,cp1y,cp2x,cp2y,x,y</a:t>
+            </a:r>
+            <a:r>
+              <a:rPr lang="en-US" dirty="0" smtClean="0"/>
+              <a:t>)</a:t>
+            </a:r>
+          </a:p>
+          <a:p>
+            <a:pPr marL="0" indent="0">
+              <a:buNone/>
+            </a:pPr>
+            <a:endParaRPr lang="en-US" dirty="0"/>
           </a:p>
           <a:p>
             <a:r>
@@ -5095,11 +5263,11 @@
           </a:p>
           <a:p>
             <a:r>
-              <a:rPr lang="en-US" dirty="0" err="1"/>
+              <a:rPr lang="en-US" dirty="0" err="1" smtClean="0"/>
               <a:t>arcTo</a:t>
             </a:r>
             <a:r>
-              <a:rPr lang="en-US" dirty="0"/>
+              <a:rPr lang="en-US" dirty="0" smtClean="0"/>
               <a:t>(</a:t>
             </a:r>
             <a:r>
@@ -5107,9 +5275,83 @@
               <a:t>x1, y1, x2, y2, r</a:t>
             </a:r>
             <a:r>
-              <a:rPr lang="en-US" dirty="0"/>
+              <a:rPr lang="en-US" dirty="0" smtClean="0"/>
               <a:t>)</a:t>
             </a:r>
+          </a:p>
+          <a:p>
+            <a:r>
+              <a:rPr lang="zh-CN" altLang="en-US" dirty="0"/>
+              <a:t>线</a:t>
+            </a:r>
+            <a:r>
+              <a:rPr lang="zh-CN" altLang="en-US" dirty="0" smtClean="0"/>
+              <a:t>条样式</a:t>
+            </a:r>
+            <a:endParaRPr lang="en-US" altLang="zh-CN" dirty="0" smtClean="0"/>
+          </a:p>
+          <a:p>
+            <a:pPr lvl="1"/>
+            <a:r>
+              <a:rPr lang="en-US" dirty="0" err="1" smtClean="0"/>
+              <a:t>lineCap</a:t>
+            </a:r>
+            <a:r>
+              <a:rPr lang="en-US" dirty="0" smtClean="0"/>
+              <a:t>=</a:t>
+            </a:r>
+            <a:r>
+              <a:rPr lang="en-US" sz="2000" i="1" dirty="0" err="1" smtClean="0"/>
+              <a:t>butt|round|square</a:t>
+            </a:r>
+            <a:endParaRPr lang="en-US" sz="2000" i="1" dirty="0" smtClean="0"/>
+          </a:p>
+          <a:p>
+            <a:pPr lvl="1"/>
+            <a:r>
+              <a:rPr lang="en-US" dirty="0" err="1" smtClean="0"/>
+              <a:t>lineJoin</a:t>
+            </a:r>
+            <a:r>
+              <a:rPr lang="en-US" dirty="0" smtClean="0"/>
+              <a:t>=</a:t>
+            </a:r>
+            <a:r>
+              <a:rPr lang="en-US" sz="2000" i="1" dirty="0" err="1" smtClean="0"/>
+              <a:t>bevel|round|miter</a:t>
+            </a:r>
+            <a:endParaRPr lang="en-US" sz="2000" i="1" dirty="0" smtClean="0"/>
+          </a:p>
+          <a:p>
+            <a:pPr lvl="1"/>
+            <a:r>
+              <a:rPr lang="en-US" dirty="0" err="1" smtClean="0"/>
+              <a:t>lineWidth</a:t>
+            </a:r>
+            <a:r>
+              <a:rPr lang="en-US" dirty="0" smtClean="0"/>
+              <a:t>=</a:t>
+            </a:r>
+            <a:r>
+              <a:rPr lang="en-US" sz="2000" i="1" dirty="0" smtClean="0"/>
+              <a:t>number</a:t>
+            </a:r>
+          </a:p>
+          <a:p>
+            <a:pPr lvl="1"/>
+            <a:r>
+              <a:rPr lang="en-US" dirty="0" err="1" smtClean="0"/>
+              <a:t>miterLimit</a:t>
+            </a:r>
+            <a:r>
+              <a:rPr lang="en-US" dirty="0" smtClean="0"/>
+              <a:t>=</a:t>
+            </a:r>
+            <a:r>
+              <a:rPr lang="en-US" sz="2000" i="1" dirty="0" smtClean="0"/>
+              <a:t>number</a:t>
+            </a:r>
+            <a:endParaRPr lang="en-US" sz="2000" i="1" dirty="0"/>
           </a:p>
         </p:txBody>
       </p:sp>
@@ -5148,7 +5390,7 @@
           <p:cNvPr id="2" name="标题 1">
             <a:extLst>
               <a:ext uri="{FF2B5EF4-FFF2-40B4-BE49-F238E27FC236}">
-                <a16:creationId xmlns:a16="http://schemas.microsoft.com/office/drawing/2014/main" id="{6C63DF92-CEDE-4380-92B5-BCE05BFD5135}"/>
+                <a16:creationId xmlns:a16="http://schemas.microsoft.com/office/drawing/2014/main" xmlns="" id="{6C63DF92-CEDE-4380-92B5-BCE05BFD5135}"/>
               </a:ext>
             </a:extLst>
           </p:cNvPr>
@@ -5177,7 +5419,7 @@
           <p:cNvPr id="3" name="文本占位符 2">
             <a:extLst>
               <a:ext uri="{FF2B5EF4-FFF2-40B4-BE49-F238E27FC236}">
-                <a16:creationId xmlns:a16="http://schemas.microsoft.com/office/drawing/2014/main" id="{7FC65033-908F-4791-A8C0-1A0BB602DFDA}"/>
+                <a16:creationId xmlns:a16="http://schemas.microsoft.com/office/drawing/2014/main" xmlns="" id="{7FC65033-908F-4791-A8C0-1A0BB602DFDA}"/>
               </a:ext>
             </a:extLst>
           </p:cNvPr>
@@ -5210,7 +5452,7 @@
           <p:cNvPr id="4" name="弧形 3">
             <a:extLst>
               <a:ext uri="{FF2B5EF4-FFF2-40B4-BE49-F238E27FC236}">
-                <a16:creationId xmlns:a16="http://schemas.microsoft.com/office/drawing/2014/main" id="{CDEF0C68-B64B-466E-8D7E-901DBE257FAF}"/>
+                <a16:creationId xmlns:a16="http://schemas.microsoft.com/office/drawing/2014/main" xmlns="" id="{CDEF0C68-B64B-466E-8D7E-901DBE257FAF}"/>
               </a:ext>
             </a:extLst>
           </p:cNvPr>
@@ -5254,7 +5496,7 @@
           <p:cNvPr id="6" name="直接连接符 5">
             <a:extLst>
               <a:ext uri="{FF2B5EF4-FFF2-40B4-BE49-F238E27FC236}">
-                <a16:creationId xmlns:a16="http://schemas.microsoft.com/office/drawing/2014/main" id="{8F575DF3-9F6A-4669-AEFC-2C189FDC6B46}"/>
+                <a16:creationId xmlns:a16="http://schemas.microsoft.com/office/drawing/2014/main" xmlns="" id="{8F575DF3-9F6A-4669-AEFC-2C189FDC6B46}"/>
               </a:ext>
             </a:extLst>
           </p:cNvPr>
@@ -5292,7 +5534,7 @@
           <p:cNvPr id="8" name="直接连接符 7">
             <a:extLst>
               <a:ext uri="{FF2B5EF4-FFF2-40B4-BE49-F238E27FC236}">
-                <a16:creationId xmlns:a16="http://schemas.microsoft.com/office/drawing/2014/main" id="{AB30833A-A26E-40EF-A0A8-CB71DC43794E}"/>
+                <a16:creationId xmlns:a16="http://schemas.microsoft.com/office/drawing/2014/main" xmlns="" id="{AB30833A-A26E-40EF-A0A8-CB71DC43794E}"/>
               </a:ext>
             </a:extLst>
           </p:cNvPr>
@@ -5330,7 +5572,7 @@
           <p:cNvPr id="10" name="直接连接符 9">
             <a:extLst>
               <a:ext uri="{FF2B5EF4-FFF2-40B4-BE49-F238E27FC236}">
-                <a16:creationId xmlns:a16="http://schemas.microsoft.com/office/drawing/2014/main" id="{E32D1960-FE90-4C3D-94FF-32F2AE40F6BD}"/>
+                <a16:creationId xmlns:a16="http://schemas.microsoft.com/office/drawing/2014/main" xmlns="" id="{E32D1960-FE90-4C3D-94FF-32F2AE40F6BD}"/>
               </a:ext>
             </a:extLst>
           </p:cNvPr>
@@ -5366,7 +5608,7 @@
           <p:cNvPr id="12" name="直接连接符 11">
             <a:extLst>
               <a:ext uri="{FF2B5EF4-FFF2-40B4-BE49-F238E27FC236}">
-                <a16:creationId xmlns:a16="http://schemas.microsoft.com/office/drawing/2014/main" id="{4BD3A93B-427C-4041-BAE3-9AA91E263B65}"/>
+                <a16:creationId xmlns:a16="http://schemas.microsoft.com/office/drawing/2014/main" xmlns="" id="{4BD3A93B-427C-4041-BAE3-9AA91E263B65}"/>
               </a:ext>
             </a:extLst>
           </p:cNvPr>
@@ -5404,7 +5646,7 @@
           <p:cNvPr id="13" name="文本框 12">
             <a:extLst>
               <a:ext uri="{FF2B5EF4-FFF2-40B4-BE49-F238E27FC236}">
-                <a16:creationId xmlns:a16="http://schemas.microsoft.com/office/drawing/2014/main" id="{CFB39EFA-59DB-41B3-BC86-1C39BE42E2A4}"/>
+                <a16:creationId xmlns:a16="http://schemas.microsoft.com/office/drawing/2014/main" xmlns="" id="{CFB39EFA-59DB-41B3-BC86-1C39BE42E2A4}"/>
               </a:ext>
             </a:extLst>
           </p:cNvPr>
@@ -5440,7 +5682,7 @@
           <p:cNvPr id="15" name="直接连接符 14">
             <a:extLst>
               <a:ext uri="{FF2B5EF4-FFF2-40B4-BE49-F238E27FC236}">
-                <a16:creationId xmlns:a16="http://schemas.microsoft.com/office/drawing/2014/main" id="{AB81F334-537F-419A-8ABA-143424EEDB64}"/>
+                <a16:creationId xmlns:a16="http://schemas.microsoft.com/office/drawing/2014/main" xmlns="" id="{AB81F334-537F-419A-8ABA-143424EEDB64}"/>
               </a:ext>
             </a:extLst>
           </p:cNvPr>
@@ -5478,7 +5720,7 @@
           <p:cNvPr id="16" name="文本框 15">
             <a:extLst>
               <a:ext uri="{FF2B5EF4-FFF2-40B4-BE49-F238E27FC236}">
-                <a16:creationId xmlns:a16="http://schemas.microsoft.com/office/drawing/2014/main" id="{341879A2-7A3A-4CB0-BBB0-5E0ACD99F0D2}"/>
+                <a16:creationId xmlns:a16="http://schemas.microsoft.com/office/drawing/2014/main" xmlns="" id="{341879A2-7A3A-4CB0-BBB0-5E0ACD99F0D2}"/>
               </a:ext>
             </a:extLst>
           </p:cNvPr>
@@ -5514,7 +5756,7 @@
           <p:cNvPr id="17" name="文本框 16">
             <a:extLst>
               <a:ext uri="{FF2B5EF4-FFF2-40B4-BE49-F238E27FC236}">
-                <a16:creationId xmlns:a16="http://schemas.microsoft.com/office/drawing/2014/main" id="{282B3A65-F5AF-402F-A348-8D5EF77573C1}"/>
+                <a16:creationId xmlns:a16="http://schemas.microsoft.com/office/drawing/2014/main" xmlns="" id="{282B3A65-F5AF-402F-A348-8D5EF77573C1}"/>
               </a:ext>
             </a:extLst>
           </p:cNvPr>
@@ -6108,7 +6350,7 @@
   <a:extraClrSchemeLst/>
   <a:extLst>
     <a:ext uri="{05A4C25C-085E-4340-85A3-A5531E510DB2}">
-      <thm15:themeFamily xmlns:thm15="http://schemas.microsoft.com/office/thememl/2012/main" name="Office Theme" id="{62F939B6-93AF-4DB8-9C6B-D6C7DFDC589F}" vid="{4A3C46E8-61CC-4603-A589-7422A47A8E4A}"/>
+      <thm15:themeFamily xmlns:thm15="http://schemas.microsoft.com/office/thememl/2012/main" xmlns="" name="Office Theme" id="{62F939B6-93AF-4DB8-9C6B-D6C7DFDC589F}" vid="{4A3C46E8-61CC-4603-A589-7422A47A8E4A}"/>
     </a:ext>
   </a:extLst>
 </a:theme>
@@ -6689,7 +6931,7 @@
   <a:extraClrSchemeLst/>
   <a:extLst>
     <a:ext uri="{05A4C25C-085E-4340-85A3-A5531E510DB2}">
-      <thm15:themeFamily xmlns:thm15="http://schemas.microsoft.com/office/thememl/2012/main" name="Office Theme" id="{62F939B6-93AF-4DB8-9C6B-D6C7DFDC589F}" vid="{4A3C46E8-61CC-4603-A589-7422A47A8E4A}"/>
+      <thm15:themeFamily xmlns:thm15="http://schemas.microsoft.com/office/thememl/2012/main" xmlns="" name="Office Theme" id="{62F939B6-93AF-4DB8-9C6B-D6C7DFDC589F}" vid="{4A3C46E8-61CC-4603-A589-7422A47A8E4A}"/>
     </a:ext>
   </a:extLst>
 </a:theme>
